--- a/Live a healthy lifestyle.pptx
+++ b/Live a healthy lifestyle.pptx
@@ -1,6 +1,6 @@
 
 <file path=ppt/presentation.xml><?xml version="1.0" encoding="utf-8"?>
-<p:presentation xmlns:a="http://schemas.openxmlformats.org/drawingml/2006/main" xmlns:r="http://schemas.openxmlformats.org/officeDocument/2006/relationships" xmlns:p="http://schemas.openxmlformats.org/presentationml/2006/main" autoCompressPictures="0">
+<p:presentation xmlns:a="http://schemas.openxmlformats.org/drawingml/2006/main" xmlns:r="http://schemas.openxmlformats.org/officeDocument/2006/relationships" xmlns:p="http://schemas.openxmlformats.org/presentationml/2006/main" saveSubsetFonts="1" autoCompressPictures="0">
   <p:sldMasterIdLst>
     <p:sldMasterId id="2147483648" r:id="rId1"/>
   </p:sldMasterIdLst>
@@ -12,9 +12,10 @@
     <p:sldId id="260" r:id="rId6"/>
     <p:sldId id="261" r:id="rId7"/>
     <p:sldId id="265" r:id="rId8"/>
-    <p:sldId id="262" r:id="rId9"/>
-    <p:sldId id="263" r:id="rId10"/>
-    <p:sldId id="266" r:id="rId11"/>
+    <p:sldId id="267" r:id="rId9"/>
+    <p:sldId id="262" r:id="rId10"/>
+    <p:sldId id="263" r:id="rId11"/>
+    <p:sldId id="266" r:id="rId12"/>
   </p:sldIdLst>
   <p:sldSz cx="12192000" cy="6858000"/>
   <p:notesSz cx="6858000" cy="9144000"/>
@@ -844,7 +845,7 @@
             <a:fld id="{B61BEF0D-F0BB-DE4B-95CE-6DB70DBA9567}" type="datetimeFigureOut">
               <a:rPr lang="en-US" dirty="0"/>
               <a:pPr/>
-              <a:t>2/13/2016</a:t>
+              <a:t>2/15/2016</a:t>
             </a:fld>
             <a:endParaRPr lang="en-US" dirty="0"/>
           </a:p>
@@ -1092,7 +1093,7 @@
             <a:fld id="{B61BEF0D-F0BB-DE4B-95CE-6DB70DBA9567}" type="datetimeFigureOut">
               <a:rPr lang="en-US" dirty="0"/>
               <a:pPr/>
-              <a:t>2/13/2016</a:t>
+              <a:t>2/15/2016</a:t>
             </a:fld>
             <a:endParaRPr lang="en-US" dirty="0"/>
           </a:p>
@@ -1403,7 +1404,7 @@
             <a:fld id="{B61BEF0D-F0BB-DE4B-95CE-6DB70DBA9567}" type="datetimeFigureOut">
               <a:rPr lang="en-US" dirty="0"/>
               <a:pPr/>
-              <a:t>2/13/2016</a:t>
+              <a:t>2/15/2016</a:t>
             </a:fld>
             <a:endParaRPr lang="en-US" dirty="0"/>
           </a:p>
@@ -1741,7 +1742,7 @@
             <a:fld id="{B61BEF0D-F0BB-DE4B-95CE-6DB70DBA9567}" type="datetimeFigureOut">
               <a:rPr lang="en-US" dirty="0"/>
               <a:pPr/>
-              <a:t>2/13/2016</a:t>
+              <a:t>2/15/2016</a:t>
             </a:fld>
             <a:endParaRPr lang="en-US" dirty="0"/>
           </a:p>
@@ -2052,7 +2053,7 @@
             <a:fld id="{B61BEF0D-F0BB-DE4B-95CE-6DB70DBA9567}" type="datetimeFigureOut">
               <a:rPr lang="en-US" dirty="0"/>
               <a:pPr/>
-              <a:t>2/13/2016</a:t>
+              <a:t>2/15/2016</a:t>
             </a:fld>
             <a:endParaRPr lang="en-US" dirty="0"/>
           </a:p>
@@ -2442,7 +2443,7 @@
             <a:fld id="{B61BEF0D-F0BB-DE4B-95CE-6DB70DBA9567}" type="datetimeFigureOut">
               <a:rPr lang="en-US" dirty="0"/>
               <a:pPr/>
-              <a:t>2/13/2016</a:t>
+              <a:t>2/15/2016</a:t>
             </a:fld>
             <a:endParaRPr lang="en-US" dirty="0"/>
           </a:p>
@@ -2608,7 +2609,7 @@
           <a:p>
             <a:fld id="{55C6B4A9-1611-4792-9094-5F34BCA07E0B}" type="datetimeFigureOut">
               <a:rPr lang="en-US" dirty="0"/>
-              <a:t>2/13/2016</a:t>
+              <a:t>2/15/2016</a:t>
             </a:fld>
             <a:endParaRPr lang="en-US" dirty="0"/>
           </a:p>
@@ -2784,7 +2785,7 @@
             <a:fld id="{B61BEF0D-F0BB-DE4B-95CE-6DB70DBA9567}" type="datetimeFigureOut">
               <a:rPr lang="en-US" dirty="0"/>
               <a:pPr/>
-              <a:t>2/13/2016</a:t>
+              <a:t>2/15/2016</a:t>
             </a:fld>
             <a:endParaRPr lang="en-US" dirty="0"/>
           </a:p>
@@ -2957,7 +2958,7 @@
             <a:fld id="{B61BEF0D-F0BB-DE4B-95CE-6DB70DBA9567}" type="datetimeFigureOut">
               <a:rPr lang="en-US" dirty="0"/>
               <a:pPr/>
-              <a:t>2/13/2016</a:t>
+              <a:t>2/15/2016</a:t>
             </a:fld>
             <a:endParaRPr lang="en-US" dirty="0"/>
           </a:p>
@@ -3201,7 +3202,7 @@
             <a:fld id="{B61BEF0D-F0BB-DE4B-95CE-6DB70DBA9567}" type="datetimeFigureOut">
               <a:rPr lang="en-US" dirty="0"/>
               <a:pPr/>
-              <a:t>2/13/2016</a:t>
+              <a:t>2/15/2016</a:t>
             </a:fld>
             <a:endParaRPr lang="en-US" dirty="0"/>
           </a:p>
@@ -3429,7 +3430,7 @@
           <a:p>
             <a:fld id="{EB712588-04B1-427B-82EE-E8DB90309F08}" type="datetimeFigureOut">
               <a:rPr lang="en-US" dirty="0"/>
-              <a:t>2/13/2016</a:t>
+              <a:t>2/15/2016</a:t>
             </a:fld>
             <a:endParaRPr lang="en-US" dirty="0"/>
           </a:p>
@@ -3799,7 +3800,7 @@
             <a:fld id="{B61BEF0D-F0BB-DE4B-95CE-6DB70DBA9567}" type="datetimeFigureOut">
               <a:rPr lang="en-US" dirty="0"/>
               <a:pPr/>
-              <a:t>2/13/2016</a:t>
+              <a:t>2/15/2016</a:t>
             </a:fld>
             <a:endParaRPr lang="en-US" dirty="0"/>
           </a:p>
@@ -3919,7 +3920,7 @@
             <a:fld id="{B61BEF0D-F0BB-DE4B-95CE-6DB70DBA9567}" type="datetimeFigureOut">
               <a:rPr lang="en-US" dirty="0"/>
               <a:pPr/>
-              <a:t>2/13/2016</a:t>
+              <a:t>2/15/2016</a:t>
             </a:fld>
             <a:endParaRPr lang="en-US" dirty="0"/>
           </a:p>
@@ -4011,7 +4012,7 @@
             <a:fld id="{B61BEF0D-F0BB-DE4B-95CE-6DB70DBA9567}" type="datetimeFigureOut">
               <a:rPr lang="en-US" dirty="0"/>
               <a:pPr/>
-              <a:t>2/13/2016</a:t>
+              <a:t>2/15/2016</a:t>
             </a:fld>
             <a:endParaRPr lang="en-US" dirty="0"/>
           </a:p>
@@ -4262,7 +4263,7 @@
           <a:p>
             <a:fld id="{42A54C80-263E-416B-A8E0-580EDEADCBDC}" type="datetimeFigureOut">
               <a:rPr lang="en-US" dirty="0"/>
-              <a:t>2/13/2016</a:t>
+              <a:t>2/15/2016</a:t>
             </a:fld>
             <a:endParaRPr lang="en-US" dirty="0"/>
           </a:p>
@@ -4521,7 +4522,7 @@
             <a:fld id="{B61BEF0D-F0BB-DE4B-95CE-6DB70DBA9567}" type="datetimeFigureOut">
               <a:rPr lang="en-US" dirty="0"/>
               <a:pPr/>
-              <a:t>2/13/2016</a:t>
+              <a:t>2/15/2016</a:t>
             </a:fld>
             <a:endParaRPr lang="en-US" dirty="0"/>
           </a:p>
@@ -5261,7 +5262,7 @@
             <a:fld id="{B61BEF0D-F0BB-DE4B-95CE-6DB70DBA9567}" type="datetimeFigureOut">
               <a:rPr lang="en-US" dirty="0"/>
               <a:pPr/>
-              <a:t>2/13/2016</a:t>
+              <a:t>2/15/2016</a:t>
             </a:fld>
             <a:endParaRPr lang="en-US" dirty="0"/>
           </a:p>
@@ -5882,197 +5883,25 @@
         </p:nvSpPr>
         <p:spPr/>
         <p:txBody>
-          <a:bodyPr>
-            <a:normAutofit fontScale="90000"/>
-          </a:bodyPr>
-          <a:lstStyle/>
-          <a:p>
-            <a:r>
-              <a:rPr lang="en-US" dirty="0" smtClean="0"/>
-              <a:t>To summarize –</a:t>
-            </a:r>
-            <a:br>
-              <a:rPr lang="en-US" dirty="0" smtClean="0"/>
-            </a:br>
-            <a:r>
-              <a:rPr lang="en-US" dirty="0"/>
-              <a:t>	</a:t>
-            </a:r>
-            <a:r>
-              <a:rPr lang="en-US" dirty="0" smtClean="0"/>
-              <a:t>						</a:t>
-            </a:r>
-            <a:r>
-              <a:rPr lang="en-US" b="1" dirty="0"/>
-              <a:t>Eat lean, Train mean</a:t>
-            </a:r>
-            <a:r>
-              <a:rPr lang="en-US" dirty="0"/>
-              <a:t> :)</a:t>
-            </a:r>
-            <a:br>
-              <a:rPr lang="en-US" dirty="0"/>
-            </a:br>
-            <a:endParaRPr lang="en-US" dirty="0"/>
-          </a:p>
-        </p:txBody>
-      </p:sp>
-      <p:pic>
-        <p:nvPicPr>
-          <p:cNvPr id="6" name="Content Placeholder 5"/>
-          <p:cNvPicPr>
-            <a:picLocks noGrp="1" noChangeAspect="1"/>
-          </p:cNvPicPr>
-          <p:nvPr>
-            <p:ph idx="1"/>
-          </p:nvPr>
-        </p:nvPicPr>
-        <p:blipFill>
-          <a:blip r:embed="rId2">
-            <a:extLst>
-              <a:ext uri="{28A0092B-C50C-407E-A947-70E740481C1C}">
-                <a14:useLocalDpi xmlns:a14="http://schemas.microsoft.com/office/drawing/2010/main" val="0"/>
-              </a:ext>
-            </a:extLst>
-          </a:blip>
-          <a:stretch>
-            <a:fillRect/>
-          </a:stretch>
-        </p:blipFill>
-        <p:spPr>
-          <a:xfrm>
-            <a:off x="3035300" y="2160588"/>
-            <a:ext cx="3881437" cy="3881437"/>
-          </a:xfrm>
-        </p:spPr>
-      </p:pic>
-    </p:spTree>
-    <p:extLst>
-      <p:ext uri="{BB962C8B-B14F-4D97-AF65-F5344CB8AC3E}">
-        <p14:creationId xmlns:p14="http://schemas.microsoft.com/office/powerpoint/2010/main" val="4018436179"/>
-      </p:ext>
-    </p:extLst>
-  </p:cSld>
-  <p:clrMapOvr>
-    <a:masterClrMapping/>
-  </p:clrMapOvr>
-</p:sld>
-</file>
-
-<file path=ppt/slides/slide2.xml><?xml version="1.0" encoding="utf-8"?>
-<p:sld xmlns:a="http://schemas.openxmlformats.org/drawingml/2006/main" xmlns:r="http://schemas.openxmlformats.org/officeDocument/2006/relationships" xmlns:p="http://schemas.openxmlformats.org/presentationml/2006/main">
-  <p:cSld>
-    <p:spTree>
-      <p:nvGrpSpPr>
-        <p:cNvPr id="1" name=""/>
-        <p:cNvGrpSpPr/>
-        <p:nvPr/>
-      </p:nvGrpSpPr>
-      <p:grpSpPr>
-        <a:xfrm>
-          <a:off x="0" y="0"/>
-          <a:ext cx="0" cy="0"/>
-          <a:chOff x="0" y="0"/>
-          <a:chExt cx="0" cy="0"/>
-        </a:xfrm>
-      </p:grpSpPr>
-      <p:sp>
-        <p:nvSpPr>
-          <p:cNvPr id="2" name="Title 1"/>
-          <p:cNvSpPr>
-            <a:spLocks noGrp="1"/>
-          </p:cNvSpPr>
-          <p:nvPr>
-            <p:ph type="title"/>
-          </p:nvPr>
-        </p:nvSpPr>
-        <p:spPr/>
-        <p:txBody>
           <a:bodyPr/>
           <a:lstStyle/>
           <a:p>
             <a:r>
               <a:rPr lang="en-US" dirty="0" smtClean="0"/>
-              <a:t>How to live a healthy life?</a:t>
+              <a:t>The benefits you will get</a:t>
             </a:r>
             <a:endParaRPr lang="en-US" dirty="0"/>
           </a:p>
         </p:txBody>
       </p:sp>
-      <p:pic>
-        <p:nvPicPr>
-          <p:cNvPr id="4" name="Content Placeholder 3"/>
-          <p:cNvPicPr>
-            <a:picLocks noGrp="1" noChangeAspect="1"/>
-          </p:cNvPicPr>
+      <p:sp>
+        <p:nvSpPr>
+          <p:cNvPr id="3" name="Content Placeholder 2"/>
+          <p:cNvSpPr>
+            <a:spLocks noGrp="1"/>
+          </p:cNvSpPr>
           <p:nvPr>
             <p:ph idx="1"/>
-          </p:nvPr>
-        </p:nvPicPr>
-        <p:blipFill>
-          <a:blip r:embed="rId2">
-            <a:extLst>
-              <a:ext uri="{28A0092B-C50C-407E-A947-70E740481C1C}">
-                <a14:useLocalDpi xmlns:a14="http://schemas.microsoft.com/office/drawing/2010/main" val="0"/>
-              </a:ext>
-            </a:extLst>
-          </a:blip>
-          <a:stretch>
-            <a:fillRect/>
-          </a:stretch>
-        </p:blipFill>
-        <p:spPr>
-          <a:xfrm>
-            <a:off x="2373096" y="1848022"/>
-            <a:ext cx="5205144" cy="4947387"/>
-          </a:xfrm>
-        </p:spPr>
-      </p:pic>
-    </p:spTree>
-    <p:extLst>
-      <p:ext uri="{BB962C8B-B14F-4D97-AF65-F5344CB8AC3E}">
-        <p14:creationId xmlns:p14="http://schemas.microsoft.com/office/powerpoint/2010/main" val="892436374"/>
-      </p:ext>
-    </p:extLst>
-  </p:cSld>
-  <p:clrMapOvr>
-    <a:masterClrMapping/>
-  </p:clrMapOvr>
-  <p:timing>
-    <p:tnLst>
-      <p:par>
-        <p:cTn id="1" dur="indefinite" restart="never" nodeType="tmRoot"/>
-      </p:par>
-    </p:tnLst>
-  </p:timing>
-</p:sld>
-</file>
-
-<file path=ppt/slides/slide3.xml><?xml version="1.0" encoding="utf-8"?>
-<p:sld xmlns:a="http://schemas.openxmlformats.org/drawingml/2006/main" xmlns:r="http://schemas.openxmlformats.org/officeDocument/2006/relationships" xmlns:p="http://schemas.openxmlformats.org/presentationml/2006/main">
-  <p:cSld>
-    <p:spTree>
-      <p:nvGrpSpPr>
-        <p:cNvPr id="1" name=""/>
-        <p:cNvGrpSpPr/>
-        <p:nvPr/>
-      </p:nvGrpSpPr>
-      <p:grpSpPr>
-        <a:xfrm>
-          <a:off x="0" y="0"/>
-          <a:ext cx="0" cy="0"/>
-          <a:chOff x="0" y="0"/>
-          <a:chExt cx="0" cy="0"/>
-        </a:xfrm>
-      </p:grpSpPr>
-      <p:sp>
-        <p:nvSpPr>
-          <p:cNvPr id="2" name="Title 1"/>
-          <p:cNvSpPr>
-            <a:spLocks noGrp="1"/>
-          </p:cNvSpPr>
-          <p:nvPr>
-            <p:ph type="title"/>
           </p:nvPr>
         </p:nvSpPr>
         <p:spPr/>
@@ -6082,568 +5911,6 @@
           <a:p>
             <a:r>
               <a:rPr lang="en-US" dirty="0"/>
-              <a:t>How to live a healthy life?</a:t>
-            </a:r>
-          </a:p>
-        </p:txBody>
-      </p:sp>
-      <p:sp>
-        <p:nvSpPr>
-          <p:cNvPr id="3" name="Content Placeholder 2"/>
-          <p:cNvSpPr>
-            <a:spLocks noGrp="1"/>
-          </p:cNvSpPr>
-          <p:nvPr>
-            <p:ph idx="1"/>
-          </p:nvPr>
-        </p:nvSpPr>
-        <p:spPr/>
-        <p:txBody>
-          <a:bodyPr/>
-          <a:lstStyle/>
-          <a:p>
-            <a:r>
-              <a:rPr lang="en-US" dirty="0" smtClean="0"/>
-              <a:t>Key idea:</a:t>
-            </a:r>
-          </a:p>
-          <a:p>
-            <a:pPr lvl="1"/>
-            <a:r>
-              <a:rPr lang="en-US" b="1" dirty="0"/>
-              <a:t>Eat healthier and exercise </a:t>
-            </a:r>
-            <a:r>
-              <a:rPr lang="en-US" b="1" dirty="0" smtClean="0"/>
-              <a:t>regularly</a:t>
-            </a:r>
-          </a:p>
-          <a:p>
-            <a:r>
-              <a:rPr lang="en-US" dirty="0" smtClean="0"/>
-              <a:t>Solution:</a:t>
-            </a:r>
-          </a:p>
-          <a:p>
-            <a:pPr lvl="1"/>
-            <a:r>
-              <a:rPr lang="en-US" dirty="0" smtClean="0"/>
-              <a:t>Make a </a:t>
-            </a:r>
-            <a:r>
-              <a:rPr lang="en-US" b="1" dirty="0" smtClean="0"/>
-              <a:t>plan</a:t>
-            </a:r>
-            <a:r>
-              <a:rPr lang="en-US" dirty="0" smtClean="0"/>
-              <a:t> and stick to it</a:t>
-            </a:r>
-          </a:p>
-        </p:txBody>
-      </p:sp>
-    </p:spTree>
-    <p:extLst>
-      <p:ext uri="{BB962C8B-B14F-4D97-AF65-F5344CB8AC3E}">
-        <p14:creationId xmlns:p14="http://schemas.microsoft.com/office/powerpoint/2010/main" val="3720959930"/>
-      </p:ext>
-    </p:extLst>
-  </p:cSld>
-  <p:clrMapOvr>
-    <a:masterClrMapping/>
-  </p:clrMapOvr>
-</p:sld>
-</file>
-
-<file path=ppt/slides/slide4.xml><?xml version="1.0" encoding="utf-8"?>
-<p:sld xmlns:a="http://schemas.openxmlformats.org/drawingml/2006/main" xmlns:r="http://schemas.openxmlformats.org/officeDocument/2006/relationships" xmlns:p="http://schemas.openxmlformats.org/presentationml/2006/main">
-  <p:cSld>
-    <p:spTree>
-      <p:nvGrpSpPr>
-        <p:cNvPr id="1" name=""/>
-        <p:cNvGrpSpPr/>
-        <p:nvPr/>
-      </p:nvGrpSpPr>
-      <p:grpSpPr>
-        <a:xfrm>
-          <a:off x="0" y="0"/>
-          <a:ext cx="0" cy="0"/>
-          <a:chOff x="0" y="0"/>
-          <a:chExt cx="0" cy="0"/>
-        </a:xfrm>
-      </p:grpSpPr>
-      <p:sp>
-        <p:nvSpPr>
-          <p:cNvPr id="2" name="Title 1"/>
-          <p:cNvSpPr>
-            <a:spLocks noGrp="1"/>
-          </p:cNvSpPr>
-          <p:nvPr>
-            <p:ph type="title"/>
-          </p:nvPr>
-        </p:nvSpPr>
-        <p:spPr>
-          <a:xfrm>
-            <a:off x="84209" y="115329"/>
-            <a:ext cx="8596668" cy="1320800"/>
-          </a:xfrm>
-        </p:spPr>
-        <p:txBody>
-          <a:bodyPr/>
-          <a:lstStyle/>
-          <a:p>
-            <a:r>
-              <a:rPr lang="en-US" dirty="0" smtClean="0"/>
-              <a:t>A 2000 Calorie Meal Plan:</a:t>
-            </a:r>
-            <a:endParaRPr lang="en-US" dirty="0"/>
-          </a:p>
-        </p:txBody>
-      </p:sp>
-      <p:pic>
-        <p:nvPicPr>
-          <p:cNvPr id="4" name="Content Placeholder 3"/>
-          <p:cNvPicPr>
-            <a:picLocks noGrp="1" noChangeAspect="1"/>
-          </p:cNvPicPr>
-          <p:nvPr>
-            <p:ph idx="1"/>
-          </p:nvPr>
-        </p:nvPicPr>
-        <p:blipFill>
-          <a:blip r:embed="rId2">
-            <a:extLst>
-              <a:ext uri="{28A0092B-C50C-407E-A947-70E740481C1C}">
-                <a14:useLocalDpi xmlns:a14="http://schemas.microsoft.com/office/drawing/2010/main" val="0"/>
-              </a:ext>
-            </a:extLst>
-          </a:blip>
-          <a:stretch>
-            <a:fillRect/>
-          </a:stretch>
-        </p:blipFill>
-        <p:spPr>
-          <a:xfrm>
-            <a:off x="2313908" y="892432"/>
-            <a:ext cx="4564686" cy="5831441"/>
-          </a:xfrm>
-        </p:spPr>
-      </p:pic>
-    </p:spTree>
-    <p:extLst>
-      <p:ext uri="{BB962C8B-B14F-4D97-AF65-F5344CB8AC3E}">
-        <p14:creationId xmlns:p14="http://schemas.microsoft.com/office/powerpoint/2010/main" val="3796465074"/>
-      </p:ext>
-    </p:extLst>
-  </p:cSld>
-  <p:clrMapOvr>
-    <a:masterClrMapping/>
-  </p:clrMapOvr>
-</p:sld>
-</file>
-
-<file path=ppt/slides/slide5.xml><?xml version="1.0" encoding="utf-8"?>
-<p:sld xmlns:a="http://schemas.openxmlformats.org/drawingml/2006/main" xmlns:r="http://schemas.openxmlformats.org/officeDocument/2006/relationships" xmlns:p="http://schemas.openxmlformats.org/presentationml/2006/main">
-  <p:cSld>
-    <p:spTree>
-      <p:nvGrpSpPr>
-        <p:cNvPr id="1" name=""/>
-        <p:cNvGrpSpPr/>
-        <p:nvPr/>
-      </p:nvGrpSpPr>
-      <p:grpSpPr>
-        <a:xfrm>
-          <a:off x="0" y="0"/>
-          <a:ext cx="0" cy="0"/>
-          <a:chOff x="0" y="0"/>
-          <a:chExt cx="0" cy="0"/>
-        </a:xfrm>
-      </p:grpSpPr>
-      <p:sp>
-        <p:nvSpPr>
-          <p:cNvPr id="2" name="Title 1"/>
-          <p:cNvSpPr>
-            <a:spLocks noGrp="1"/>
-          </p:cNvSpPr>
-          <p:nvPr>
-            <p:ph type="title"/>
-          </p:nvPr>
-        </p:nvSpPr>
-        <p:spPr/>
-        <p:txBody>
-          <a:bodyPr/>
-          <a:lstStyle/>
-          <a:p>
-            <a:r>
-              <a:rPr lang="en-US" dirty="0" smtClean="0"/>
-              <a:t>And a 4-day training plan:</a:t>
-            </a:r>
-            <a:endParaRPr lang="en-US" dirty="0"/>
-          </a:p>
-        </p:txBody>
-      </p:sp>
-      <p:pic>
-        <p:nvPicPr>
-          <p:cNvPr id="4" name="Content Placeholder 3"/>
-          <p:cNvPicPr>
-            <a:picLocks noGrp="1" noChangeAspect="1"/>
-          </p:cNvPicPr>
-          <p:nvPr>
-            <p:ph idx="1"/>
-          </p:nvPr>
-        </p:nvPicPr>
-        <p:blipFill>
-          <a:blip r:embed="rId2">
-            <a:extLst>
-              <a:ext uri="{28A0092B-C50C-407E-A947-70E740481C1C}">
-                <a14:useLocalDpi xmlns:a14="http://schemas.microsoft.com/office/drawing/2010/main" val="0"/>
-              </a:ext>
-            </a:extLst>
-          </a:blip>
-          <a:stretch>
-            <a:fillRect/>
-          </a:stretch>
-        </p:blipFill>
-        <p:spPr>
-          <a:xfrm>
-            <a:off x="1883895" y="1270000"/>
-            <a:ext cx="6183545" cy="5532646"/>
-          </a:xfrm>
-        </p:spPr>
-      </p:pic>
-    </p:spTree>
-    <p:extLst>
-      <p:ext uri="{BB962C8B-B14F-4D97-AF65-F5344CB8AC3E}">
-        <p14:creationId xmlns:p14="http://schemas.microsoft.com/office/powerpoint/2010/main" val="2910861076"/>
-      </p:ext>
-    </p:extLst>
-  </p:cSld>
-  <p:clrMapOvr>
-    <a:masterClrMapping/>
-  </p:clrMapOvr>
-</p:sld>
-</file>
-
-<file path=ppt/slides/slide6.xml><?xml version="1.0" encoding="utf-8"?>
-<p:sld xmlns:a="http://schemas.openxmlformats.org/drawingml/2006/main" xmlns:r="http://schemas.openxmlformats.org/officeDocument/2006/relationships" xmlns:p="http://schemas.openxmlformats.org/presentationml/2006/main">
-  <p:cSld>
-    <p:spTree>
-      <p:nvGrpSpPr>
-        <p:cNvPr id="1" name=""/>
-        <p:cNvGrpSpPr/>
-        <p:nvPr/>
-      </p:nvGrpSpPr>
-      <p:grpSpPr>
-        <a:xfrm>
-          <a:off x="0" y="0"/>
-          <a:ext cx="0" cy="0"/>
-          <a:chOff x="0" y="0"/>
-          <a:chExt cx="0" cy="0"/>
-        </a:xfrm>
-      </p:grpSpPr>
-      <p:sp>
-        <p:nvSpPr>
-          <p:cNvPr id="2" name="Title 1"/>
-          <p:cNvSpPr>
-            <a:spLocks noGrp="1"/>
-          </p:cNvSpPr>
-          <p:nvPr>
-            <p:ph type="title"/>
-          </p:nvPr>
-        </p:nvSpPr>
-        <p:spPr/>
-        <p:txBody>
-          <a:bodyPr/>
-          <a:lstStyle/>
-          <a:p>
-            <a:r>
-              <a:rPr lang="en-US" dirty="0" smtClean="0"/>
-              <a:t>Most common excuse: I have no time to exercise</a:t>
-            </a:r>
-            <a:endParaRPr lang="en-US" dirty="0"/>
-          </a:p>
-        </p:txBody>
-      </p:sp>
-      <p:pic>
-        <p:nvPicPr>
-          <p:cNvPr id="6" name="Content Placeholder 5"/>
-          <p:cNvPicPr>
-            <a:picLocks noGrp="1" noChangeAspect="1"/>
-          </p:cNvPicPr>
-          <p:nvPr>
-            <p:ph idx="1"/>
-          </p:nvPr>
-        </p:nvPicPr>
-        <p:blipFill>
-          <a:blip r:embed="rId2">
-            <a:extLst>
-              <a:ext uri="{28A0092B-C50C-407E-A947-70E740481C1C}">
-                <a14:useLocalDpi xmlns:a14="http://schemas.microsoft.com/office/drawing/2010/main" val="0"/>
-              </a:ext>
-            </a:extLst>
-          </a:blip>
-          <a:stretch>
-            <a:fillRect/>
-          </a:stretch>
-        </p:blipFill>
-        <p:spPr>
-          <a:xfrm>
-            <a:off x="2499841" y="1855788"/>
-            <a:ext cx="4634127" cy="4634127"/>
-          </a:xfrm>
-        </p:spPr>
-      </p:pic>
-    </p:spTree>
-    <p:extLst>
-      <p:ext uri="{BB962C8B-B14F-4D97-AF65-F5344CB8AC3E}">
-        <p14:creationId xmlns:p14="http://schemas.microsoft.com/office/powerpoint/2010/main" val="3462422359"/>
-      </p:ext>
-    </p:extLst>
-  </p:cSld>
-  <p:clrMapOvr>
-    <a:masterClrMapping/>
-  </p:clrMapOvr>
-</p:sld>
-</file>
-
-<file path=ppt/slides/slide7.xml><?xml version="1.0" encoding="utf-8"?>
-<p:sld xmlns:a="http://schemas.openxmlformats.org/drawingml/2006/main" xmlns:r="http://schemas.openxmlformats.org/officeDocument/2006/relationships" xmlns:p="http://schemas.openxmlformats.org/presentationml/2006/main">
-  <p:cSld>
-    <p:spTree>
-      <p:nvGrpSpPr>
-        <p:cNvPr id="1" name=""/>
-        <p:cNvGrpSpPr/>
-        <p:nvPr/>
-      </p:nvGrpSpPr>
-      <p:grpSpPr>
-        <a:xfrm>
-          <a:off x="0" y="0"/>
-          <a:ext cx="0" cy="0"/>
-          <a:chOff x="0" y="0"/>
-          <a:chExt cx="0" cy="0"/>
-        </a:xfrm>
-      </p:grpSpPr>
-      <p:sp>
-        <p:nvSpPr>
-          <p:cNvPr id="2" name="Title 1"/>
-          <p:cNvSpPr>
-            <a:spLocks noGrp="1"/>
-          </p:cNvSpPr>
-          <p:nvPr>
-            <p:ph type="title"/>
-          </p:nvPr>
-        </p:nvSpPr>
-        <p:spPr/>
-        <p:txBody>
-          <a:bodyPr/>
-          <a:lstStyle/>
-          <a:p>
-            <a:r>
-              <a:rPr lang="en-US" dirty="0"/>
-              <a:t>Most common excuse: I have no time to exercise</a:t>
-            </a:r>
-          </a:p>
-        </p:txBody>
-      </p:sp>
-      <p:sp>
-        <p:nvSpPr>
-          <p:cNvPr id="3" name="Content Placeholder 2"/>
-          <p:cNvSpPr>
-            <a:spLocks noGrp="1"/>
-          </p:cNvSpPr>
-          <p:nvPr>
-            <p:ph idx="1"/>
-          </p:nvPr>
-        </p:nvSpPr>
-        <p:spPr/>
-        <p:txBody>
-          <a:bodyPr/>
-          <a:lstStyle/>
-          <a:p>
-            <a:r>
-              <a:rPr lang="en-US" dirty="0"/>
-              <a:t>get a complete workout in just under 30 minutes</a:t>
-            </a:r>
-            <a:r>
-              <a:rPr lang="en-US" dirty="0" smtClean="0"/>
-              <a:t>.</a:t>
-            </a:r>
-          </a:p>
-          <a:p>
-            <a:r>
-              <a:rPr lang="en-US" dirty="0" smtClean="0"/>
-              <a:t>keep </a:t>
-            </a:r>
-            <a:r>
-              <a:rPr lang="en-US" dirty="0"/>
-              <a:t>the intensity up </a:t>
-            </a:r>
-            <a:endParaRPr lang="en-US" dirty="0" smtClean="0"/>
-          </a:p>
-          <a:p>
-            <a:r>
-              <a:rPr lang="en-US" dirty="0" smtClean="0"/>
-              <a:t>make </a:t>
-            </a:r>
-            <a:r>
-              <a:rPr lang="en-US" dirty="0"/>
-              <a:t>sure to take as few breaks as possible.</a:t>
-            </a:r>
-            <a:endParaRPr lang="en-US" dirty="0"/>
-          </a:p>
-        </p:txBody>
-      </p:sp>
-    </p:spTree>
-    <p:extLst>
-      <p:ext uri="{BB962C8B-B14F-4D97-AF65-F5344CB8AC3E}">
-        <p14:creationId xmlns:p14="http://schemas.microsoft.com/office/powerpoint/2010/main" val="2376893561"/>
-      </p:ext>
-    </p:extLst>
-  </p:cSld>
-  <p:clrMapOvr>
-    <a:masterClrMapping/>
-  </p:clrMapOvr>
-</p:sld>
-</file>
-
-<file path=ppt/slides/slide8.xml><?xml version="1.0" encoding="utf-8"?>
-<p:sld xmlns:a="http://schemas.openxmlformats.org/drawingml/2006/main" xmlns:r="http://schemas.openxmlformats.org/officeDocument/2006/relationships" xmlns:p="http://schemas.openxmlformats.org/presentationml/2006/main">
-  <p:cSld>
-    <p:spTree>
-      <p:nvGrpSpPr>
-        <p:cNvPr id="1" name=""/>
-        <p:cNvGrpSpPr/>
-        <p:nvPr/>
-      </p:nvGrpSpPr>
-      <p:grpSpPr>
-        <a:xfrm>
-          <a:off x="0" y="0"/>
-          <a:ext cx="0" cy="0"/>
-          <a:chOff x="0" y="0"/>
-          <a:chExt cx="0" cy="0"/>
-        </a:xfrm>
-      </p:grpSpPr>
-      <p:sp>
-        <p:nvSpPr>
-          <p:cNvPr id="2" name="Title 1"/>
-          <p:cNvSpPr>
-            <a:spLocks noGrp="1"/>
-          </p:cNvSpPr>
-          <p:nvPr>
-            <p:ph type="title"/>
-          </p:nvPr>
-        </p:nvSpPr>
-        <p:spPr/>
-        <p:txBody>
-          <a:bodyPr/>
-          <a:lstStyle/>
-          <a:p>
-            <a:r>
-              <a:rPr lang="en-US" dirty="0" smtClean="0"/>
-              <a:t>Another issue: I am too lazy to insist on the plan</a:t>
-            </a:r>
-            <a:endParaRPr lang="en-US" dirty="0"/>
-          </a:p>
-        </p:txBody>
-      </p:sp>
-      <p:sp>
-        <p:nvSpPr>
-          <p:cNvPr id="3" name="Content Placeholder 2"/>
-          <p:cNvSpPr>
-            <a:spLocks noGrp="1"/>
-          </p:cNvSpPr>
-          <p:nvPr>
-            <p:ph idx="1"/>
-          </p:nvPr>
-        </p:nvSpPr>
-        <p:spPr/>
-        <p:txBody>
-          <a:bodyPr/>
-          <a:lstStyle/>
-          <a:p>
-            <a:r>
-              <a:rPr lang="en-US" dirty="0" smtClean="0"/>
-              <a:t>Make it as a routine or a habit</a:t>
-            </a:r>
-          </a:p>
-          <a:p>
-            <a:r>
-              <a:rPr lang="en-US" dirty="0" smtClean="0"/>
-              <a:t>Find a pattern</a:t>
-            </a:r>
-            <a:endParaRPr lang="en-US" dirty="0"/>
-          </a:p>
-        </p:txBody>
-      </p:sp>
-    </p:spTree>
-    <p:extLst>
-      <p:ext uri="{BB962C8B-B14F-4D97-AF65-F5344CB8AC3E}">
-        <p14:creationId xmlns:p14="http://schemas.microsoft.com/office/powerpoint/2010/main" val="1885331810"/>
-      </p:ext>
-    </p:extLst>
-  </p:cSld>
-  <p:clrMapOvr>
-    <a:masterClrMapping/>
-  </p:clrMapOvr>
-</p:sld>
-</file>
-
-<file path=ppt/slides/slide9.xml><?xml version="1.0" encoding="utf-8"?>
-<p:sld xmlns:a="http://schemas.openxmlformats.org/drawingml/2006/main" xmlns:r="http://schemas.openxmlformats.org/officeDocument/2006/relationships" xmlns:p="http://schemas.openxmlformats.org/presentationml/2006/main">
-  <p:cSld>
-    <p:spTree>
-      <p:nvGrpSpPr>
-        <p:cNvPr id="1" name=""/>
-        <p:cNvGrpSpPr/>
-        <p:nvPr/>
-      </p:nvGrpSpPr>
-      <p:grpSpPr>
-        <a:xfrm>
-          <a:off x="0" y="0"/>
-          <a:ext cx="0" cy="0"/>
-          <a:chOff x="0" y="0"/>
-          <a:chExt cx="0" cy="0"/>
-        </a:xfrm>
-      </p:grpSpPr>
-      <p:sp>
-        <p:nvSpPr>
-          <p:cNvPr id="2" name="Title 1"/>
-          <p:cNvSpPr>
-            <a:spLocks noGrp="1"/>
-          </p:cNvSpPr>
-          <p:nvPr>
-            <p:ph type="title"/>
-          </p:nvPr>
-        </p:nvSpPr>
-        <p:spPr/>
-        <p:txBody>
-          <a:bodyPr/>
-          <a:lstStyle/>
-          <a:p>
-            <a:r>
-              <a:rPr lang="en-US" dirty="0" smtClean="0"/>
-              <a:t>The benefits you will get</a:t>
-            </a:r>
-            <a:endParaRPr lang="en-US" dirty="0"/>
-          </a:p>
-        </p:txBody>
-      </p:sp>
-      <p:sp>
-        <p:nvSpPr>
-          <p:cNvPr id="3" name="Content Placeholder 2"/>
-          <p:cNvSpPr>
-            <a:spLocks noGrp="1"/>
-          </p:cNvSpPr>
-          <p:nvPr>
-            <p:ph idx="1"/>
-          </p:nvPr>
-        </p:nvSpPr>
-        <p:spPr/>
-        <p:txBody>
-          <a:bodyPr/>
-          <a:lstStyle/>
-          <a:p>
-            <a:r>
-              <a:rPr lang="en-US" dirty="0"/>
               <a:t>Exercise Stimulates Brain </a:t>
             </a:r>
             <a:r>
@@ -6693,6 +5960,13 @@
             <a:r>
               <a:rPr lang="en-US" dirty="0"/>
               <a:t>Relieves Stress. </a:t>
+            </a:r>
+            <a:endParaRPr lang="en-US" dirty="0" smtClean="0"/>
+          </a:p>
+          <a:p>
+            <a:r>
+              <a:rPr lang="is-IS" dirty="0" smtClean="0"/>
+              <a:t>…</a:t>
             </a:r>
             <a:endParaRPr lang="en-US" dirty="0" smtClean="0"/>
           </a:p>
@@ -6744,6 +6018,3795 @@
   <p:clrMapOvr>
     <a:masterClrMapping/>
   </p:clrMapOvr>
+  <p:timing>
+    <p:tnLst>
+      <p:par>
+        <p:cTn id="1" dur="indefinite" restart="never" nodeType="tmRoot">
+          <p:childTnLst>
+            <p:seq concurrent="1" nextAc="seek">
+              <p:cTn id="2" dur="indefinite" nodeType="mainSeq">
+                <p:childTnLst>
+                  <p:par>
+                    <p:cTn id="3" fill="hold">
+                      <p:stCondLst>
+                        <p:cond delay="indefinite"/>
+                      </p:stCondLst>
+                      <p:childTnLst>
+                        <p:par>
+                          <p:cTn id="4" fill="hold">
+                            <p:stCondLst>
+                              <p:cond delay="0"/>
+                            </p:stCondLst>
+                            <p:childTnLst>
+                              <p:par>
+                                <p:cTn id="5" presetID="37" presetClass="entr" presetSubtype="0" fill="hold" grpId="0" nodeType="clickEffect">
+                                  <p:stCondLst>
+                                    <p:cond delay="0"/>
+                                  </p:stCondLst>
+                                  <p:childTnLst>
+                                    <p:set>
+                                      <p:cBhvr>
+                                        <p:cTn id="6" dur="1" fill="hold">
+                                          <p:stCondLst>
+                                            <p:cond delay="0"/>
+                                          </p:stCondLst>
+                                        </p:cTn>
+                                        <p:tgtEl>
+                                          <p:spTgt spid="3">
+                                            <p:txEl>
+                                              <p:pRg st="0" end="0"/>
+                                            </p:txEl>
+                                          </p:spTgt>
+                                        </p:tgtEl>
+                                        <p:attrNameLst>
+                                          <p:attrName>style.visibility</p:attrName>
+                                        </p:attrNameLst>
+                                      </p:cBhvr>
+                                      <p:to>
+                                        <p:strVal val="visible"/>
+                                      </p:to>
+                                    </p:set>
+                                    <p:animEffect transition="in" filter="fade">
+                                      <p:cBhvr>
+                                        <p:cTn id="7" dur="1000"/>
+                                        <p:tgtEl>
+                                          <p:spTgt spid="3">
+                                            <p:txEl>
+                                              <p:pRg st="0" end="0"/>
+                                            </p:txEl>
+                                          </p:spTgt>
+                                        </p:tgtEl>
+                                      </p:cBhvr>
+                                    </p:animEffect>
+                                    <p:anim calcmode="lin" valueType="num">
+                                      <p:cBhvr>
+                                        <p:cTn id="8" dur="1000" fill="hold"/>
+                                        <p:tgtEl>
+                                          <p:spTgt spid="3">
+                                            <p:txEl>
+                                              <p:pRg st="0" end="0"/>
+                                            </p:txEl>
+                                          </p:spTgt>
+                                        </p:tgtEl>
+                                        <p:attrNameLst>
+                                          <p:attrName>ppt_x</p:attrName>
+                                        </p:attrNameLst>
+                                      </p:cBhvr>
+                                      <p:tavLst>
+                                        <p:tav tm="0">
+                                          <p:val>
+                                            <p:strVal val="#ppt_x"/>
+                                          </p:val>
+                                        </p:tav>
+                                        <p:tav tm="100000">
+                                          <p:val>
+                                            <p:strVal val="#ppt_x"/>
+                                          </p:val>
+                                        </p:tav>
+                                      </p:tavLst>
+                                    </p:anim>
+                                    <p:anim calcmode="lin" valueType="num">
+                                      <p:cBhvr>
+                                        <p:cTn id="9" dur="900" decel="100000" fill="hold"/>
+                                        <p:tgtEl>
+                                          <p:spTgt spid="3">
+                                            <p:txEl>
+                                              <p:pRg st="0" end="0"/>
+                                            </p:txEl>
+                                          </p:spTgt>
+                                        </p:tgtEl>
+                                        <p:attrNameLst>
+                                          <p:attrName>ppt_y</p:attrName>
+                                        </p:attrNameLst>
+                                      </p:cBhvr>
+                                      <p:tavLst>
+                                        <p:tav tm="0">
+                                          <p:val>
+                                            <p:strVal val="#ppt_y+1"/>
+                                          </p:val>
+                                        </p:tav>
+                                        <p:tav tm="100000">
+                                          <p:val>
+                                            <p:strVal val="#ppt_y-.03"/>
+                                          </p:val>
+                                        </p:tav>
+                                      </p:tavLst>
+                                    </p:anim>
+                                    <p:anim calcmode="lin" valueType="num">
+                                      <p:cBhvr>
+                                        <p:cTn id="10" dur="100" accel="100000" fill="hold">
+                                          <p:stCondLst>
+                                            <p:cond delay="900"/>
+                                          </p:stCondLst>
+                                        </p:cTn>
+                                        <p:tgtEl>
+                                          <p:spTgt spid="3">
+                                            <p:txEl>
+                                              <p:pRg st="0" end="0"/>
+                                            </p:txEl>
+                                          </p:spTgt>
+                                        </p:tgtEl>
+                                        <p:attrNameLst>
+                                          <p:attrName>ppt_y</p:attrName>
+                                        </p:attrNameLst>
+                                      </p:cBhvr>
+                                      <p:tavLst>
+                                        <p:tav tm="0">
+                                          <p:val>
+                                            <p:strVal val="#ppt_y-.03"/>
+                                          </p:val>
+                                        </p:tav>
+                                        <p:tav tm="100000">
+                                          <p:val>
+                                            <p:strVal val="#ppt_y"/>
+                                          </p:val>
+                                        </p:tav>
+                                      </p:tavLst>
+                                    </p:anim>
+                                  </p:childTnLst>
+                                </p:cTn>
+                              </p:par>
+                            </p:childTnLst>
+                          </p:cTn>
+                        </p:par>
+                      </p:childTnLst>
+                    </p:cTn>
+                  </p:par>
+                  <p:par>
+                    <p:cTn id="11" fill="hold">
+                      <p:stCondLst>
+                        <p:cond delay="indefinite"/>
+                      </p:stCondLst>
+                      <p:childTnLst>
+                        <p:par>
+                          <p:cTn id="12" fill="hold">
+                            <p:stCondLst>
+                              <p:cond delay="0"/>
+                            </p:stCondLst>
+                            <p:childTnLst>
+                              <p:par>
+                                <p:cTn id="13" presetID="37" presetClass="entr" presetSubtype="0" fill="hold" grpId="0" nodeType="clickEffect">
+                                  <p:stCondLst>
+                                    <p:cond delay="0"/>
+                                  </p:stCondLst>
+                                  <p:childTnLst>
+                                    <p:set>
+                                      <p:cBhvr>
+                                        <p:cTn id="14" dur="1" fill="hold">
+                                          <p:stCondLst>
+                                            <p:cond delay="0"/>
+                                          </p:stCondLst>
+                                        </p:cTn>
+                                        <p:tgtEl>
+                                          <p:spTgt spid="3">
+                                            <p:txEl>
+                                              <p:pRg st="1" end="1"/>
+                                            </p:txEl>
+                                          </p:spTgt>
+                                        </p:tgtEl>
+                                        <p:attrNameLst>
+                                          <p:attrName>style.visibility</p:attrName>
+                                        </p:attrNameLst>
+                                      </p:cBhvr>
+                                      <p:to>
+                                        <p:strVal val="visible"/>
+                                      </p:to>
+                                    </p:set>
+                                    <p:animEffect transition="in" filter="fade">
+                                      <p:cBhvr>
+                                        <p:cTn id="15" dur="1000"/>
+                                        <p:tgtEl>
+                                          <p:spTgt spid="3">
+                                            <p:txEl>
+                                              <p:pRg st="1" end="1"/>
+                                            </p:txEl>
+                                          </p:spTgt>
+                                        </p:tgtEl>
+                                      </p:cBhvr>
+                                    </p:animEffect>
+                                    <p:anim calcmode="lin" valueType="num">
+                                      <p:cBhvr>
+                                        <p:cTn id="16" dur="1000" fill="hold"/>
+                                        <p:tgtEl>
+                                          <p:spTgt spid="3">
+                                            <p:txEl>
+                                              <p:pRg st="1" end="1"/>
+                                            </p:txEl>
+                                          </p:spTgt>
+                                        </p:tgtEl>
+                                        <p:attrNameLst>
+                                          <p:attrName>ppt_x</p:attrName>
+                                        </p:attrNameLst>
+                                      </p:cBhvr>
+                                      <p:tavLst>
+                                        <p:tav tm="0">
+                                          <p:val>
+                                            <p:strVal val="#ppt_x"/>
+                                          </p:val>
+                                        </p:tav>
+                                        <p:tav tm="100000">
+                                          <p:val>
+                                            <p:strVal val="#ppt_x"/>
+                                          </p:val>
+                                        </p:tav>
+                                      </p:tavLst>
+                                    </p:anim>
+                                    <p:anim calcmode="lin" valueType="num">
+                                      <p:cBhvr>
+                                        <p:cTn id="17" dur="900" decel="100000" fill="hold"/>
+                                        <p:tgtEl>
+                                          <p:spTgt spid="3">
+                                            <p:txEl>
+                                              <p:pRg st="1" end="1"/>
+                                            </p:txEl>
+                                          </p:spTgt>
+                                        </p:tgtEl>
+                                        <p:attrNameLst>
+                                          <p:attrName>ppt_y</p:attrName>
+                                        </p:attrNameLst>
+                                      </p:cBhvr>
+                                      <p:tavLst>
+                                        <p:tav tm="0">
+                                          <p:val>
+                                            <p:strVal val="#ppt_y+1"/>
+                                          </p:val>
+                                        </p:tav>
+                                        <p:tav tm="100000">
+                                          <p:val>
+                                            <p:strVal val="#ppt_y-.03"/>
+                                          </p:val>
+                                        </p:tav>
+                                      </p:tavLst>
+                                    </p:anim>
+                                    <p:anim calcmode="lin" valueType="num">
+                                      <p:cBhvr>
+                                        <p:cTn id="18" dur="100" accel="100000" fill="hold">
+                                          <p:stCondLst>
+                                            <p:cond delay="900"/>
+                                          </p:stCondLst>
+                                        </p:cTn>
+                                        <p:tgtEl>
+                                          <p:spTgt spid="3">
+                                            <p:txEl>
+                                              <p:pRg st="1" end="1"/>
+                                            </p:txEl>
+                                          </p:spTgt>
+                                        </p:tgtEl>
+                                        <p:attrNameLst>
+                                          <p:attrName>ppt_y</p:attrName>
+                                        </p:attrNameLst>
+                                      </p:cBhvr>
+                                      <p:tavLst>
+                                        <p:tav tm="0">
+                                          <p:val>
+                                            <p:strVal val="#ppt_y-.03"/>
+                                          </p:val>
+                                        </p:tav>
+                                        <p:tav tm="100000">
+                                          <p:val>
+                                            <p:strVal val="#ppt_y"/>
+                                          </p:val>
+                                        </p:tav>
+                                      </p:tavLst>
+                                    </p:anim>
+                                  </p:childTnLst>
+                                </p:cTn>
+                              </p:par>
+                            </p:childTnLst>
+                          </p:cTn>
+                        </p:par>
+                      </p:childTnLst>
+                    </p:cTn>
+                  </p:par>
+                  <p:par>
+                    <p:cTn id="19" fill="hold">
+                      <p:stCondLst>
+                        <p:cond delay="indefinite"/>
+                      </p:stCondLst>
+                      <p:childTnLst>
+                        <p:par>
+                          <p:cTn id="20" fill="hold">
+                            <p:stCondLst>
+                              <p:cond delay="0"/>
+                            </p:stCondLst>
+                            <p:childTnLst>
+                              <p:par>
+                                <p:cTn id="21" presetID="37" presetClass="entr" presetSubtype="0" fill="hold" grpId="0" nodeType="clickEffect">
+                                  <p:stCondLst>
+                                    <p:cond delay="0"/>
+                                  </p:stCondLst>
+                                  <p:childTnLst>
+                                    <p:set>
+                                      <p:cBhvr>
+                                        <p:cTn id="22" dur="1" fill="hold">
+                                          <p:stCondLst>
+                                            <p:cond delay="0"/>
+                                          </p:stCondLst>
+                                        </p:cTn>
+                                        <p:tgtEl>
+                                          <p:spTgt spid="3">
+                                            <p:txEl>
+                                              <p:pRg st="2" end="2"/>
+                                            </p:txEl>
+                                          </p:spTgt>
+                                        </p:tgtEl>
+                                        <p:attrNameLst>
+                                          <p:attrName>style.visibility</p:attrName>
+                                        </p:attrNameLst>
+                                      </p:cBhvr>
+                                      <p:to>
+                                        <p:strVal val="visible"/>
+                                      </p:to>
+                                    </p:set>
+                                    <p:animEffect transition="in" filter="fade">
+                                      <p:cBhvr>
+                                        <p:cTn id="23" dur="1000"/>
+                                        <p:tgtEl>
+                                          <p:spTgt spid="3">
+                                            <p:txEl>
+                                              <p:pRg st="2" end="2"/>
+                                            </p:txEl>
+                                          </p:spTgt>
+                                        </p:tgtEl>
+                                      </p:cBhvr>
+                                    </p:animEffect>
+                                    <p:anim calcmode="lin" valueType="num">
+                                      <p:cBhvr>
+                                        <p:cTn id="24" dur="1000" fill="hold"/>
+                                        <p:tgtEl>
+                                          <p:spTgt spid="3">
+                                            <p:txEl>
+                                              <p:pRg st="2" end="2"/>
+                                            </p:txEl>
+                                          </p:spTgt>
+                                        </p:tgtEl>
+                                        <p:attrNameLst>
+                                          <p:attrName>ppt_x</p:attrName>
+                                        </p:attrNameLst>
+                                      </p:cBhvr>
+                                      <p:tavLst>
+                                        <p:tav tm="0">
+                                          <p:val>
+                                            <p:strVal val="#ppt_x"/>
+                                          </p:val>
+                                        </p:tav>
+                                        <p:tav tm="100000">
+                                          <p:val>
+                                            <p:strVal val="#ppt_x"/>
+                                          </p:val>
+                                        </p:tav>
+                                      </p:tavLst>
+                                    </p:anim>
+                                    <p:anim calcmode="lin" valueType="num">
+                                      <p:cBhvr>
+                                        <p:cTn id="25" dur="900" decel="100000" fill="hold"/>
+                                        <p:tgtEl>
+                                          <p:spTgt spid="3">
+                                            <p:txEl>
+                                              <p:pRg st="2" end="2"/>
+                                            </p:txEl>
+                                          </p:spTgt>
+                                        </p:tgtEl>
+                                        <p:attrNameLst>
+                                          <p:attrName>ppt_y</p:attrName>
+                                        </p:attrNameLst>
+                                      </p:cBhvr>
+                                      <p:tavLst>
+                                        <p:tav tm="0">
+                                          <p:val>
+                                            <p:strVal val="#ppt_y+1"/>
+                                          </p:val>
+                                        </p:tav>
+                                        <p:tav tm="100000">
+                                          <p:val>
+                                            <p:strVal val="#ppt_y-.03"/>
+                                          </p:val>
+                                        </p:tav>
+                                      </p:tavLst>
+                                    </p:anim>
+                                    <p:anim calcmode="lin" valueType="num">
+                                      <p:cBhvr>
+                                        <p:cTn id="26" dur="100" accel="100000" fill="hold">
+                                          <p:stCondLst>
+                                            <p:cond delay="900"/>
+                                          </p:stCondLst>
+                                        </p:cTn>
+                                        <p:tgtEl>
+                                          <p:spTgt spid="3">
+                                            <p:txEl>
+                                              <p:pRg st="2" end="2"/>
+                                            </p:txEl>
+                                          </p:spTgt>
+                                        </p:tgtEl>
+                                        <p:attrNameLst>
+                                          <p:attrName>ppt_y</p:attrName>
+                                        </p:attrNameLst>
+                                      </p:cBhvr>
+                                      <p:tavLst>
+                                        <p:tav tm="0">
+                                          <p:val>
+                                            <p:strVal val="#ppt_y-.03"/>
+                                          </p:val>
+                                        </p:tav>
+                                        <p:tav tm="100000">
+                                          <p:val>
+                                            <p:strVal val="#ppt_y"/>
+                                          </p:val>
+                                        </p:tav>
+                                      </p:tavLst>
+                                    </p:anim>
+                                  </p:childTnLst>
+                                </p:cTn>
+                              </p:par>
+                            </p:childTnLst>
+                          </p:cTn>
+                        </p:par>
+                      </p:childTnLst>
+                    </p:cTn>
+                  </p:par>
+                  <p:par>
+                    <p:cTn id="27" fill="hold">
+                      <p:stCondLst>
+                        <p:cond delay="indefinite"/>
+                      </p:stCondLst>
+                      <p:childTnLst>
+                        <p:par>
+                          <p:cTn id="28" fill="hold">
+                            <p:stCondLst>
+                              <p:cond delay="0"/>
+                            </p:stCondLst>
+                            <p:childTnLst>
+                              <p:par>
+                                <p:cTn id="29" presetID="37" presetClass="entr" presetSubtype="0" fill="hold" grpId="0" nodeType="clickEffect">
+                                  <p:stCondLst>
+                                    <p:cond delay="0"/>
+                                  </p:stCondLst>
+                                  <p:childTnLst>
+                                    <p:set>
+                                      <p:cBhvr>
+                                        <p:cTn id="30" dur="1" fill="hold">
+                                          <p:stCondLst>
+                                            <p:cond delay="0"/>
+                                          </p:stCondLst>
+                                        </p:cTn>
+                                        <p:tgtEl>
+                                          <p:spTgt spid="3">
+                                            <p:txEl>
+                                              <p:pRg st="3" end="3"/>
+                                            </p:txEl>
+                                          </p:spTgt>
+                                        </p:tgtEl>
+                                        <p:attrNameLst>
+                                          <p:attrName>style.visibility</p:attrName>
+                                        </p:attrNameLst>
+                                      </p:cBhvr>
+                                      <p:to>
+                                        <p:strVal val="visible"/>
+                                      </p:to>
+                                    </p:set>
+                                    <p:animEffect transition="in" filter="fade">
+                                      <p:cBhvr>
+                                        <p:cTn id="31" dur="1000"/>
+                                        <p:tgtEl>
+                                          <p:spTgt spid="3">
+                                            <p:txEl>
+                                              <p:pRg st="3" end="3"/>
+                                            </p:txEl>
+                                          </p:spTgt>
+                                        </p:tgtEl>
+                                      </p:cBhvr>
+                                    </p:animEffect>
+                                    <p:anim calcmode="lin" valueType="num">
+                                      <p:cBhvr>
+                                        <p:cTn id="32" dur="1000" fill="hold"/>
+                                        <p:tgtEl>
+                                          <p:spTgt spid="3">
+                                            <p:txEl>
+                                              <p:pRg st="3" end="3"/>
+                                            </p:txEl>
+                                          </p:spTgt>
+                                        </p:tgtEl>
+                                        <p:attrNameLst>
+                                          <p:attrName>ppt_x</p:attrName>
+                                        </p:attrNameLst>
+                                      </p:cBhvr>
+                                      <p:tavLst>
+                                        <p:tav tm="0">
+                                          <p:val>
+                                            <p:strVal val="#ppt_x"/>
+                                          </p:val>
+                                        </p:tav>
+                                        <p:tav tm="100000">
+                                          <p:val>
+                                            <p:strVal val="#ppt_x"/>
+                                          </p:val>
+                                        </p:tav>
+                                      </p:tavLst>
+                                    </p:anim>
+                                    <p:anim calcmode="lin" valueType="num">
+                                      <p:cBhvr>
+                                        <p:cTn id="33" dur="900" decel="100000" fill="hold"/>
+                                        <p:tgtEl>
+                                          <p:spTgt spid="3">
+                                            <p:txEl>
+                                              <p:pRg st="3" end="3"/>
+                                            </p:txEl>
+                                          </p:spTgt>
+                                        </p:tgtEl>
+                                        <p:attrNameLst>
+                                          <p:attrName>ppt_y</p:attrName>
+                                        </p:attrNameLst>
+                                      </p:cBhvr>
+                                      <p:tavLst>
+                                        <p:tav tm="0">
+                                          <p:val>
+                                            <p:strVal val="#ppt_y+1"/>
+                                          </p:val>
+                                        </p:tav>
+                                        <p:tav tm="100000">
+                                          <p:val>
+                                            <p:strVal val="#ppt_y-.03"/>
+                                          </p:val>
+                                        </p:tav>
+                                      </p:tavLst>
+                                    </p:anim>
+                                    <p:anim calcmode="lin" valueType="num">
+                                      <p:cBhvr>
+                                        <p:cTn id="34" dur="100" accel="100000" fill="hold">
+                                          <p:stCondLst>
+                                            <p:cond delay="900"/>
+                                          </p:stCondLst>
+                                        </p:cTn>
+                                        <p:tgtEl>
+                                          <p:spTgt spid="3">
+                                            <p:txEl>
+                                              <p:pRg st="3" end="3"/>
+                                            </p:txEl>
+                                          </p:spTgt>
+                                        </p:tgtEl>
+                                        <p:attrNameLst>
+                                          <p:attrName>ppt_y</p:attrName>
+                                        </p:attrNameLst>
+                                      </p:cBhvr>
+                                      <p:tavLst>
+                                        <p:tav tm="0">
+                                          <p:val>
+                                            <p:strVal val="#ppt_y-.03"/>
+                                          </p:val>
+                                        </p:tav>
+                                        <p:tav tm="100000">
+                                          <p:val>
+                                            <p:strVal val="#ppt_y"/>
+                                          </p:val>
+                                        </p:tav>
+                                      </p:tavLst>
+                                    </p:anim>
+                                  </p:childTnLst>
+                                </p:cTn>
+                              </p:par>
+                            </p:childTnLst>
+                          </p:cTn>
+                        </p:par>
+                      </p:childTnLst>
+                    </p:cTn>
+                  </p:par>
+                  <p:par>
+                    <p:cTn id="35" fill="hold">
+                      <p:stCondLst>
+                        <p:cond delay="indefinite"/>
+                      </p:stCondLst>
+                      <p:childTnLst>
+                        <p:par>
+                          <p:cTn id="36" fill="hold">
+                            <p:stCondLst>
+                              <p:cond delay="0"/>
+                            </p:stCondLst>
+                            <p:childTnLst>
+                              <p:par>
+                                <p:cTn id="37" presetID="37" presetClass="entr" presetSubtype="0" fill="hold" grpId="0" nodeType="clickEffect">
+                                  <p:stCondLst>
+                                    <p:cond delay="0"/>
+                                  </p:stCondLst>
+                                  <p:childTnLst>
+                                    <p:set>
+                                      <p:cBhvr>
+                                        <p:cTn id="38" dur="1" fill="hold">
+                                          <p:stCondLst>
+                                            <p:cond delay="0"/>
+                                          </p:stCondLst>
+                                        </p:cTn>
+                                        <p:tgtEl>
+                                          <p:spTgt spid="3">
+                                            <p:txEl>
+                                              <p:pRg st="4" end="4"/>
+                                            </p:txEl>
+                                          </p:spTgt>
+                                        </p:tgtEl>
+                                        <p:attrNameLst>
+                                          <p:attrName>style.visibility</p:attrName>
+                                        </p:attrNameLst>
+                                      </p:cBhvr>
+                                      <p:to>
+                                        <p:strVal val="visible"/>
+                                      </p:to>
+                                    </p:set>
+                                    <p:animEffect transition="in" filter="fade">
+                                      <p:cBhvr>
+                                        <p:cTn id="39" dur="1000"/>
+                                        <p:tgtEl>
+                                          <p:spTgt spid="3">
+                                            <p:txEl>
+                                              <p:pRg st="4" end="4"/>
+                                            </p:txEl>
+                                          </p:spTgt>
+                                        </p:tgtEl>
+                                      </p:cBhvr>
+                                    </p:animEffect>
+                                    <p:anim calcmode="lin" valueType="num">
+                                      <p:cBhvr>
+                                        <p:cTn id="40" dur="1000" fill="hold"/>
+                                        <p:tgtEl>
+                                          <p:spTgt spid="3">
+                                            <p:txEl>
+                                              <p:pRg st="4" end="4"/>
+                                            </p:txEl>
+                                          </p:spTgt>
+                                        </p:tgtEl>
+                                        <p:attrNameLst>
+                                          <p:attrName>ppt_x</p:attrName>
+                                        </p:attrNameLst>
+                                      </p:cBhvr>
+                                      <p:tavLst>
+                                        <p:tav tm="0">
+                                          <p:val>
+                                            <p:strVal val="#ppt_x"/>
+                                          </p:val>
+                                        </p:tav>
+                                        <p:tav tm="100000">
+                                          <p:val>
+                                            <p:strVal val="#ppt_x"/>
+                                          </p:val>
+                                        </p:tav>
+                                      </p:tavLst>
+                                    </p:anim>
+                                    <p:anim calcmode="lin" valueType="num">
+                                      <p:cBhvr>
+                                        <p:cTn id="41" dur="900" decel="100000" fill="hold"/>
+                                        <p:tgtEl>
+                                          <p:spTgt spid="3">
+                                            <p:txEl>
+                                              <p:pRg st="4" end="4"/>
+                                            </p:txEl>
+                                          </p:spTgt>
+                                        </p:tgtEl>
+                                        <p:attrNameLst>
+                                          <p:attrName>ppt_y</p:attrName>
+                                        </p:attrNameLst>
+                                      </p:cBhvr>
+                                      <p:tavLst>
+                                        <p:tav tm="0">
+                                          <p:val>
+                                            <p:strVal val="#ppt_y+1"/>
+                                          </p:val>
+                                        </p:tav>
+                                        <p:tav tm="100000">
+                                          <p:val>
+                                            <p:strVal val="#ppt_y-.03"/>
+                                          </p:val>
+                                        </p:tav>
+                                      </p:tavLst>
+                                    </p:anim>
+                                    <p:anim calcmode="lin" valueType="num">
+                                      <p:cBhvr>
+                                        <p:cTn id="42" dur="100" accel="100000" fill="hold">
+                                          <p:stCondLst>
+                                            <p:cond delay="900"/>
+                                          </p:stCondLst>
+                                        </p:cTn>
+                                        <p:tgtEl>
+                                          <p:spTgt spid="3">
+                                            <p:txEl>
+                                              <p:pRg st="4" end="4"/>
+                                            </p:txEl>
+                                          </p:spTgt>
+                                        </p:tgtEl>
+                                        <p:attrNameLst>
+                                          <p:attrName>ppt_y</p:attrName>
+                                        </p:attrNameLst>
+                                      </p:cBhvr>
+                                      <p:tavLst>
+                                        <p:tav tm="0">
+                                          <p:val>
+                                            <p:strVal val="#ppt_y-.03"/>
+                                          </p:val>
+                                        </p:tav>
+                                        <p:tav tm="100000">
+                                          <p:val>
+                                            <p:strVal val="#ppt_y"/>
+                                          </p:val>
+                                        </p:tav>
+                                      </p:tavLst>
+                                    </p:anim>
+                                  </p:childTnLst>
+                                </p:cTn>
+                              </p:par>
+                            </p:childTnLst>
+                          </p:cTn>
+                        </p:par>
+                      </p:childTnLst>
+                    </p:cTn>
+                  </p:par>
+                  <p:par>
+                    <p:cTn id="43" fill="hold">
+                      <p:stCondLst>
+                        <p:cond delay="indefinite"/>
+                      </p:stCondLst>
+                      <p:childTnLst>
+                        <p:par>
+                          <p:cTn id="44" fill="hold">
+                            <p:stCondLst>
+                              <p:cond delay="0"/>
+                            </p:stCondLst>
+                            <p:childTnLst>
+                              <p:par>
+                                <p:cTn id="45" presetID="37" presetClass="entr" presetSubtype="0" fill="hold" grpId="0" nodeType="clickEffect">
+                                  <p:stCondLst>
+                                    <p:cond delay="0"/>
+                                  </p:stCondLst>
+                                  <p:childTnLst>
+                                    <p:set>
+                                      <p:cBhvr>
+                                        <p:cTn id="46" dur="1" fill="hold">
+                                          <p:stCondLst>
+                                            <p:cond delay="0"/>
+                                          </p:stCondLst>
+                                        </p:cTn>
+                                        <p:tgtEl>
+                                          <p:spTgt spid="3">
+                                            <p:txEl>
+                                              <p:pRg st="5" end="5"/>
+                                            </p:txEl>
+                                          </p:spTgt>
+                                        </p:tgtEl>
+                                        <p:attrNameLst>
+                                          <p:attrName>style.visibility</p:attrName>
+                                        </p:attrNameLst>
+                                      </p:cBhvr>
+                                      <p:to>
+                                        <p:strVal val="visible"/>
+                                      </p:to>
+                                    </p:set>
+                                    <p:animEffect transition="in" filter="fade">
+                                      <p:cBhvr>
+                                        <p:cTn id="47" dur="1000"/>
+                                        <p:tgtEl>
+                                          <p:spTgt spid="3">
+                                            <p:txEl>
+                                              <p:pRg st="5" end="5"/>
+                                            </p:txEl>
+                                          </p:spTgt>
+                                        </p:tgtEl>
+                                      </p:cBhvr>
+                                    </p:animEffect>
+                                    <p:anim calcmode="lin" valueType="num">
+                                      <p:cBhvr>
+                                        <p:cTn id="48" dur="1000" fill="hold"/>
+                                        <p:tgtEl>
+                                          <p:spTgt spid="3">
+                                            <p:txEl>
+                                              <p:pRg st="5" end="5"/>
+                                            </p:txEl>
+                                          </p:spTgt>
+                                        </p:tgtEl>
+                                        <p:attrNameLst>
+                                          <p:attrName>ppt_x</p:attrName>
+                                        </p:attrNameLst>
+                                      </p:cBhvr>
+                                      <p:tavLst>
+                                        <p:tav tm="0">
+                                          <p:val>
+                                            <p:strVal val="#ppt_x"/>
+                                          </p:val>
+                                        </p:tav>
+                                        <p:tav tm="100000">
+                                          <p:val>
+                                            <p:strVal val="#ppt_x"/>
+                                          </p:val>
+                                        </p:tav>
+                                      </p:tavLst>
+                                    </p:anim>
+                                    <p:anim calcmode="lin" valueType="num">
+                                      <p:cBhvr>
+                                        <p:cTn id="49" dur="900" decel="100000" fill="hold"/>
+                                        <p:tgtEl>
+                                          <p:spTgt spid="3">
+                                            <p:txEl>
+                                              <p:pRg st="5" end="5"/>
+                                            </p:txEl>
+                                          </p:spTgt>
+                                        </p:tgtEl>
+                                        <p:attrNameLst>
+                                          <p:attrName>ppt_y</p:attrName>
+                                        </p:attrNameLst>
+                                      </p:cBhvr>
+                                      <p:tavLst>
+                                        <p:tav tm="0">
+                                          <p:val>
+                                            <p:strVal val="#ppt_y+1"/>
+                                          </p:val>
+                                        </p:tav>
+                                        <p:tav tm="100000">
+                                          <p:val>
+                                            <p:strVal val="#ppt_y-.03"/>
+                                          </p:val>
+                                        </p:tav>
+                                      </p:tavLst>
+                                    </p:anim>
+                                    <p:anim calcmode="lin" valueType="num">
+                                      <p:cBhvr>
+                                        <p:cTn id="50" dur="100" accel="100000" fill="hold">
+                                          <p:stCondLst>
+                                            <p:cond delay="900"/>
+                                          </p:stCondLst>
+                                        </p:cTn>
+                                        <p:tgtEl>
+                                          <p:spTgt spid="3">
+                                            <p:txEl>
+                                              <p:pRg st="5" end="5"/>
+                                            </p:txEl>
+                                          </p:spTgt>
+                                        </p:tgtEl>
+                                        <p:attrNameLst>
+                                          <p:attrName>ppt_y</p:attrName>
+                                        </p:attrNameLst>
+                                      </p:cBhvr>
+                                      <p:tavLst>
+                                        <p:tav tm="0">
+                                          <p:val>
+                                            <p:strVal val="#ppt_y-.03"/>
+                                          </p:val>
+                                        </p:tav>
+                                        <p:tav tm="100000">
+                                          <p:val>
+                                            <p:strVal val="#ppt_y"/>
+                                          </p:val>
+                                        </p:tav>
+                                      </p:tavLst>
+                                    </p:anim>
+                                  </p:childTnLst>
+                                </p:cTn>
+                              </p:par>
+                            </p:childTnLst>
+                          </p:cTn>
+                        </p:par>
+                      </p:childTnLst>
+                    </p:cTn>
+                  </p:par>
+                  <p:par>
+                    <p:cTn id="51" fill="hold">
+                      <p:stCondLst>
+                        <p:cond delay="indefinite"/>
+                      </p:stCondLst>
+                      <p:childTnLst>
+                        <p:par>
+                          <p:cTn id="52" fill="hold">
+                            <p:stCondLst>
+                              <p:cond delay="0"/>
+                            </p:stCondLst>
+                            <p:childTnLst>
+                              <p:par>
+                                <p:cTn id="53" presetID="53" presetClass="entr" presetSubtype="16" fill="hold" nodeType="clickEffect">
+                                  <p:stCondLst>
+                                    <p:cond delay="0"/>
+                                  </p:stCondLst>
+                                  <p:childTnLst>
+                                    <p:set>
+                                      <p:cBhvr>
+                                        <p:cTn id="54" dur="1" fill="hold">
+                                          <p:stCondLst>
+                                            <p:cond delay="0"/>
+                                          </p:stCondLst>
+                                        </p:cTn>
+                                        <p:tgtEl>
+                                          <p:spTgt spid="4"/>
+                                        </p:tgtEl>
+                                        <p:attrNameLst>
+                                          <p:attrName>style.visibility</p:attrName>
+                                        </p:attrNameLst>
+                                      </p:cBhvr>
+                                      <p:to>
+                                        <p:strVal val="visible"/>
+                                      </p:to>
+                                    </p:set>
+                                    <p:anim calcmode="lin" valueType="num">
+                                      <p:cBhvr>
+                                        <p:cTn id="55" dur="500" fill="hold"/>
+                                        <p:tgtEl>
+                                          <p:spTgt spid="4"/>
+                                        </p:tgtEl>
+                                        <p:attrNameLst>
+                                          <p:attrName>ppt_w</p:attrName>
+                                        </p:attrNameLst>
+                                      </p:cBhvr>
+                                      <p:tavLst>
+                                        <p:tav tm="0">
+                                          <p:val>
+                                            <p:fltVal val="0"/>
+                                          </p:val>
+                                        </p:tav>
+                                        <p:tav tm="100000">
+                                          <p:val>
+                                            <p:strVal val="#ppt_w"/>
+                                          </p:val>
+                                        </p:tav>
+                                      </p:tavLst>
+                                    </p:anim>
+                                    <p:anim calcmode="lin" valueType="num">
+                                      <p:cBhvr>
+                                        <p:cTn id="56" dur="500" fill="hold"/>
+                                        <p:tgtEl>
+                                          <p:spTgt spid="4"/>
+                                        </p:tgtEl>
+                                        <p:attrNameLst>
+                                          <p:attrName>ppt_h</p:attrName>
+                                        </p:attrNameLst>
+                                      </p:cBhvr>
+                                      <p:tavLst>
+                                        <p:tav tm="0">
+                                          <p:val>
+                                            <p:fltVal val="0"/>
+                                          </p:val>
+                                        </p:tav>
+                                        <p:tav tm="100000">
+                                          <p:val>
+                                            <p:strVal val="#ppt_h"/>
+                                          </p:val>
+                                        </p:tav>
+                                      </p:tavLst>
+                                    </p:anim>
+                                    <p:animEffect transition="in" filter="fade">
+                                      <p:cBhvr>
+                                        <p:cTn id="57" dur="500"/>
+                                        <p:tgtEl>
+                                          <p:spTgt spid="4"/>
+                                        </p:tgtEl>
+                                      </p:cBhvr>
+                                    </p:animEffect>
+                                  </p:childTnLst>
+                                </p:cTn>
+                              </p:par>
+                            </p:childTnLst>
+                          </p:cTn>
+                        </p:par>
+                      </p:childTnLst>
+                    </p:cTn>
+                  </p:par>
+                </p:childTnLst>
+              </p:cTn>
+              <p:prevCondLst>
+                <p:cond evt="onPrev" delay="0">
+                  <p:tgtEl>
+                    <p:sldTgt/>
+                  </p:tgtEl>
+                </p:cond>
+              </p:prevCondLst>
+              <p:nextCondLst>
+                <p:cond evt="onNext" delay="0">
+                  <p:tgtEl>
+                    <p:sldTgt/>
+                  </p:tgtEl>
+                </p:cond>
+              </p:nextCondLst>
+            </p:seq>
+          </p:childTnLst>
+        </p:cTn>
+      </p:par>
+    </p:tnLst>
+    <p:bldLst>
+      <p:bldP spid="3" grpId="0" build="p"/>
+    </p:bldLst>
+  </p:timing>
+</p:sld>
+</file>
+
+<file path=ppt/slides/slide11.xml><?xml version="1.0" encoding="utf-8"?>
+<p:sld xmlns:a="http://schemas.openxmlformats.org/drawingml/2006/main" xmlns:r="http://schemas.openxmlformats.org/officeDocument/2006/relationships" xmlns:p="http://schemas.openxmlformats.org/presentationml/2006/main">
+  <p:cSld>
+    <p:spTree>
+      <p:nvGrpSpPr>
+        <p:cNvPr id="1" name=""/>
+        <p:cNvGrpSpPr/>
+        <p:nvPr/>
+      </p:nvGrpSpPr>
+      <p:grpSpPr>
+        <a:xfrm>
+          <a:off x="0" y="0"/>
+          <a:ext cx="0" cy="0"/>
+          <a:chOff x="0" y="0"/>
+          <a:chExt cx="0" cy="0"/>
+        </a:xfrm>
+      </p:grpSpPr>
+      <p:sp>
+        <p:nvSpPr>
+          <p:cNvPr id="2" name="Title 1"/>
+          <p:cNvSpPr>
+            <a:spLocks noGrp="1"/>
+          </p:cNvSpPr>
+          <p:nvPr>
+            <p:ph type="title"/>
+          </p:nvPr>
+        </p:nvSpPr>
+        <p:spPr/>
+        <p:txBody>
+          <a:bodyPr>
+            <a:normAutofit fontScale="90000"/>
+          </a:bodyPr>
+          <a:lstStyle/>
+          <a:p>
+            <a:r>
+              <a:rPr lang="en-US" dirty="0" smtClean="0"/>
+              <a:t>To summarize –</a:t>
+            </a:r>
+            <a:br>
+              <a:rPr lang="en-US" dirty="0" smtClean="0"/>
+            </a:br>
+            <a:r>
+              <a:rPr lang="en-US" dirty="0"/>
+              <a:t>	</a:t>
+            </a:r>
+            <a:r>
+              <a:rPr lang="en-US" dirty="0" smtClean="0"/>
+              <a:t>						</a:t>
+            </a:r>
+            <a:r>
+              <a:rPr lang="en-US" b="1" dirty="0"/>
+              <a:t>Eat lean, Train mean</a:t>
+            </a:r>
+            <a:r>
+              <a:rPr lang="en-US" dirty="0"/>
+              <a:t> :)</a:t>
+            </a:r>
+            <a:br>
+              <a:rPr lang="en-US" dirty="0"/>
+            </a:br>
+            <a:endParaRPr lang="en-US" dirty="0"/>
+          </a:p>
+        </p:txBody>
+      </p:sp>
+      <p:pic>
+        <p:nvPicPr>
+          <p:cNvPr id="6" name="Content Placeholder 5"/>
+          <p:cNvPicPr>
+            <a:picLocks noGrp="1" noChangeAspect="1"/>
+          </p:cNvPicPr>
+          <p:nvPr>
+            <p:ph idx="1"/>
+          </p:nvPr>
+        </p:nvPicPr>
+        <p:blipFill>
+          <a:blip r:embed="rId2">
+            <a:extLst>
+              <a:ext uri="{28A0092B-C50C-407E-A947-70E740481C1C}">
+                <a14:useLocalDpi xmlns:a14="http://schemas.microsoft.com/office/drawing/2010/main" val="0"/>
+              </a:ext>
+            </a:extLst>
+          </a:blip>
+          <a:stretch>
+            <a:fillRect/>
+          </a:stretch>
+        </p:blipFill>
+        <p:spPr>
+          <a:xfrm>
+            <a:off x="3035300" y="2160588"/>
+            <a:ext cx="3881437" cy="3881437"/>
+          </a:xfrm>
+        </p:spPr>
+      </p:pic>
+    </p:spTree>
+    <p:extLst>
+      <p:ext uri="{BB962C8B-B14F-4D97-AF65-F5344CB8AC3E}">
+        <p14:creationId xmlns:p14="http://schemas.microsoft.com/office/powerpoint/2010/main" val="4018436179"/>
+      </p:ext>
+    </p:extLst>
+  </p:cSld>
+  <p:clrMapOvr>
+    <a:masterClrMapping/>
+  </p:clrMapOvr>
+  <p:timing>
+    <p:tnLst>
+      <p:par>
+        <p:cTn id="1" dur="indefinite" restart="never" nodeType="tmRoot">
+          <p:childTnLst>
+            <p:seq concurrent="1" nextAc="seek">
+              <p:cTn id="2" dur="indefinite" nodeType="mainSeq">
+                <p:childTnLst>
+                  <p:par>
+                    <p:cTn id="3" fill="hold">
+                      <p:stCondLst>
+                        <p:cond delay="indefinite"/>
+                      </p:stCondLst>
+                      <p:childTnLst>
+                        <p:par>
+                          <p:cTn id="4" fill="hold">
+                            <p:stCondLst>
+                              <p:cond delay="0"/>
+                            </p:stCondLst>
+                            <p:childTnLst>
+                              <p:par>
+                                <p:cTn id="5" presetID="21" presetClass="entr" presetSubtype="1" fill="hold" nodeType="clickEffect">
+                                  <p:stCondLst>
+                                    <p:cond delay="0"/>
+                                  </p:stCondLst>
+                                  <p:childTnLst>
+                                    <p:set>
+                                      <p:cBhvr>
+                                        <p:cTn id="6" dur="1" fill="hold">
+                                          <p:stCondLst>
+                                            <p:cond delay="0"/>
+                                          </p:stCondLst>
+                                        </p:cTn>
+                                        <p:tgtEl>
+                                          <p:spTgt spid="6"/>
+                                        </p:tgtEl>
+                                        <p:attrNameLst>
+                                          <p:attrName>style.visibility</p:attrName>
+                                        </p:attrNameLst>
+                                      </p:cBhvr>
+                                      <p:to>
+                                        <p:strVal val="visible"/>
+                                      </p:to>
+                                    </p:set>
+                                    <p:animEffect transition="in" filter="wheel(1)">
+                                      <p:cBhvr>
+                                        <p:cTn id="7" dur="2000"/>
+                                        <p:tgtEl>
+                                          <p:spTgt spid="6"/>
+                                        </p:tgtEl>
+                                      </p:cBhvr>
+                                    </p:animEffect>
+                                  </p:childTnLst>
+                                </p:cTn>
+                              </p:par>
+                            </p:childTnLst>
+                          </p:cTn>
+                        </p:par>
+                      </p:childTnLst>
+                    </p:cTn>
+                  </p:par>
+                </p:childTnLst>
+              </p:cTn>
+              <p:prevCondLst>
+                <p:cond evt="onPrev" delay="0">
+                  <p:tgtEl>
+                    <p:sldTgt/>
+                  </p:tgtEl>
+                </p:cond>
+              </p:prevCondLst>
+              <p:nextCondLst>
+                <p:cond evt="onNext" delay="0">
+                  <p:tgtEl>
+                    <p:sldTgt/>
+                  </p:tgtEl>
+                </p:cond>
+              </p:nextCondLst>
+            </p:seq>
+          </p:childTnLst>
+        </p:cTn>
+      </p:par>
+    </p:tnLst>
+  </p:timing>
+</p:sld>
+</file>
+
+<file path=ppt/slides/slide2.xml><?xml version="1.0" encoding="utf-8"?>
+<p:sld xmlns:a="http://schemas.openxmlformats.org/drawingml/2006/main" xmlns:r="http://schemas.openxmlformats.org/officeDocument/2006/relationships" xmlns:p="http://schemas.openxmlformats.org/presentationml/2006/main">
+  <p:cSld>
+    <p:spTree>
+      <p:nvGrpSpPr>
+        <p:cNvPr id="1" name=""/>
+        <p:cNvGrpSpPr/>
+        <p:nvPr/>
+      </p:nvGrpSpPr>
+      <p:grpSpPr>
+        <a:xfrm>
+          <a:off x="0" y="0"/>
+          <a:ext cx="0" cy="0"/>
+          <a:chOff x="0" y="0"/>
+          <a:chExt cx="0" cy="0"/>
+        </a:xfrm>
+      </p:grpSpPr>
+      <p:sp>
+        <p:nvSpPr>
+          <p:cNvPr id="2" name="Title 1"/>
+          <p:cNvSpPr>
+            <a:spLocks noGrp="1"/>
+          </p:cNvSpPr>
+          <p:nvPr>
+            <p:ph type="title"/>
+          </p:nvPr>
+        </p:nvSpPr>
+        <p:spPr/>
+        <p:txBody>
+          <a:bodyPr/>
+          <a:lstStyle/>
+          <a:p>
+            <a:r>
+              <a:rPr lang="en-US" dirty="0" smtClean="0"/>
+              <a:t>How to live a healthy life?</a:t>
+            </a:r>
+            <a:endParaRPr lang="en-US" dirty="0"/>
+          </a:p>
+        </p:txBody>
+      </p:sp>
+      <p:pic>
+        <p:nvPicPr>
+          <p:cNvPr id="4" name="Content Placeholder 3"/>
+          <p:cNvPicPr>
+            <a:picLocks noGrp="1" noChangeAspect="1"/>
+          </p:cNvPicPr>
+          <p:nvPr>
+            <p:ph idx="1"/>
+          </p:nvPr>
+        </p:nvPicPr>
+        <p:blipFill>
+          <a:blip r:embed="rId2">
+            <a:extLst>
+              <a:ext uri="{28A0092B-C50C-407E-A947-70E740481C1C}">
+                <a14:useLocalDpi xmlns:a14="http://schemas.microsoft.com/office/drawing/2010/main" val="0"/>
+              </a:ext>
+            </a:extLst>
+          </a:blip>
+          <a:stretch>
+            <a:fillRect/>
+          </a:stretch>
+        </p:blipFill>
+        <p:spPr>
+          <a:xfrm>
+            <a:off x="2373096" y="1848022"/>
+            <a:ext cx="5205144" cy="4947387"/>
+          </a:xfrm>
+        </p:spPr>
+      </p:pic>
+    </p:spTree>
+    <p:extLst>
+      <p:ext uri="{BB962C8B-B14F-4D97-AF65-F5344CB8AC3E}">
+        <p14:creationId xmlns:p14="http://schemas.microsoft.com/office/powerpoint/2010/main" val="892436374"/>
+      </p:ext>
+    </p:extLst>
+  </p:cSld>
+  <p:clrMapOvr>
+    <a:masterClrMapping/>
+  </p:clrMapOvr>
+  <p:timing>
+    <p:tnLst>
+      <p:par>
+        <p:cTn id="1" dur="indefinite" restart="never" nodeType="tmRoot">
+          <p:childTnLst>
+            <p:seq concurrent="1" nextAc="seek">
+              <p:cTn id="2" dur="indefinite" nodeType="mainSeq">
+                <p:childTnLst>
+                  <p:par>
+                    <p:cTn id="3" fill="hold">
+                      <p:stCondLst>
+                        <p:cond delay="indefinite"/>
+                      </p:stCondLst>
+                      <p:childTnLst>
+                        <p:par>
+                          <p:cTn id="4" fill="hold">
+                            <p:stCondLst>
+                              <p:cond delay="0"/>
+                            </p:stCondLst>
+                            <p:childTnLst>
+                              <p:par>
+                                <p:cTn id="5" presetID="2" presetClass="entr" presetSubtype="4" fill="hold" nodeType="clickEffect">
+                                  <p:stCondLst>
+                                    <p:cond delay="0"/>
+                                  </p:stCondLst>
+                                  <p:childTnLst>
+                                    <p:set>
+                                      <p:cBhvr>
+                                        <p:cTn id="6" dur="1" fill="hold">
+                                          <p:stCondLst>
+                                            <p:cond delay="0"/>
+                                          </p:stCondLst>
+                                        </p:cTn>
+                                        <p:tgtEl>
+                                          <p:spTgt spid="4"/>
+                                        </p:tgtEl>
+                                        <p:attrNameLst>
+                                          <p:attrName>style.visibility</p:attrName>
+                                        </p:attrNameLst>
+                                      </p:cBhvr>
+                                      <p:to>
+                                        <p:strVal val="visible"/>
+                                      </p:to>
+                                    </p:set>
+                                    <p:anim calcmode="lin" valueType="num">
+                                      <p:cBhvr additive="base">
+                                        <p:cTn id="7" dur="500" fill="hold"/>
+                                        <p:tgtEl>
+                                          <p:spTgt spid="4"/>
+                                        </p:tgtEl>
+                                        <p:attrNameLst>
+                                          <p:attrName>ppt_x</p:attrName>
+                                        </p:attrNameLst>
+                                      </p:cBhvr>
+                                      <p:tavLst>
+                                        <p:tav tm="0">
+                                          <p:val>
+                                            <p:strVal val="#ppt_x"/>
+                                          </p:val>
+                                        </p:tav>
+                                        <p:tav tm="100000">
+                                          <p:val>
+                                            <p:strVal val="#ppt_x"/>
+                                          </p:val>
+                                        </p:tav>
+                                      </p:tavLst>
+                                    </p:anim>
+                                    <p:anim calcmode="lin" valueType="num">
+                                      <p:cBhvr additive="base">
+                                        <p:cTn id="8" dur="500" fill="hold"/>
+                                        <p:tgtEl>
+                                          <p:spTgt spid="4"/>
+                                        </p:tgtEl>
+                                        <p:attrNameLst>
+                                          <p:attrName>ppt_y</p:attrName>
+                                        </p:attrNameLst>
+                                      </p:cBhvr>
+                                      <p:tavLst>
+                                        <p:tav tm="0">
+                                          <p:val>
+                                            <p:strVal val="1+#ppt_h/2"/>
+                                          </p:val>
+                                        </p:tav>
+                                        <p:tav tm="100000">
+                                          <p:val>
+                                            <p:strVal val="#ppt_y"/>
+                                          </p:val>
+                                        </p:tav>
+                                      </p:tavLst>
+                                    </p:anim>
+                                  </p:childTnLst>
+                                </p:cTn>
+                              </p:par>
+                            </p:childTnLst>
+                          </p:cTn>
+                        </p:par>
+                      </p:childTnLst>
+                    </p:cTn>
+                  </p:par>
+                </p:childTnLst>
+              </p:cTn>
+              <p:prevCondLst>
+                <p:cond evt="onPrev" delay="0">
+                  <p:tgtEl>
+                    <p:sldTgt/>
+                  </p:tgtEl>
+                </p:cond>
+              </p:prevCondLst>
+              <p:nextCondLst>
+                <p:cond evt="onNext" delay="0">
+                  <p:tgtEl>
+                    <p:sldTgt/>
+                  </p:tgtEl>
+                </p:cond>
+              </p:nextCondLst>
+            </p:seq>
+          </p:childTnLst>
+        </p:cTn>
+      </p:par>
+    </p:tnLst>
+  </p:timing>
+</p:sld>
+</file>
+
+<file path=ppt/slides/slide3.xml><?xml version="1.0" encoding="utf-8"?>
+<p:sld xmlns:a="http://schemas.openxmlformats.org/drawingml/2006/main" xmlns:r="http://schemas.openxmlformats.org/officeDocument/2006/relationships" xmlns:p="http://schemas.openxmlformats.org/presentationml/2006/main">
+  <p:cSld>
+    <p:spTree>
+      <p:nvGrpSpPr>
+        <p:cNvPr id="1" name=""/>
+        <p:cNvGrpSpPr/>
+        <p:nvPr/>
+      </p:nvGrpSpPr>
+      <p:grpSpPr>
+        <a:xfrm>
+          <a:off x="0" y="0"/>
+          <a:ext cx="0" cy="0"/>
+          <a:chOff x="0" y="0"/>
+          <a:chExt cx="0" cy="0"/>
+        </a:xfrm>
+      </p:grpSpPr>
+      <p:sp>
+        <p:nvSpPr>
+          <p:cNvPr id="2" name="Title 1"/>
+          <p:cNvSpPr>
+            <a:spLocks noGrp="1"/>
+          </p:cNvSpPr>
+          <p:nvPr>
+            <p:ph type="title"/>
+          </p:nvPr>
+        </p:nvSpPr>
+        <p:spPr/>
+        <p:txBody>
+          <a:bodyPr/>
+          <a:lstStyle/>
+          <a:p>
+            <a:r>
+              <a:rPr lang="en-US" dirty="0"/>
+              <a:t>How to live a healthy life?</a:t>
+            </a:r>
+          </a:p>
+        </p:txBody>
+      </p:sp>
+      <p:sp>
+        <p:nvSpPr>
+          <p:cNvPr id="3" name="Content Placeholder 2"/>
+          <p:cNvSpPr>
+            <a:spLocks noGrp="1"/>
+          </p:cNvSpPr>
+          <p:nvPr>
+            <p:ph idx="1"/>
+          </p:nvPr>
+        </p:nvSpPr>
+        <p:spPr/>
+        <p:txBody>
+          <a:bodyPr/>
+          <a:lstStyle/>
+          <a:p>
+            <a:r>
+              <a:rPr lang="en-US" dirty="0" smtClean="0"/>
+              <a:t>Key idea:</a:t>
+            </a:r>
+          </a:p>
+          <a:p>
+            <a:pPr lvl="1"/>
+            <a:r>
+              <a:rPr lang="en-US" b="1" dirty="0"/>
+              <a:t>Eat healthier and exercise </a:t>
+            </a:r>
+            <a:r>
+              <a:rPr lang="en-US" b="1" dirty="0" smtClean="0"/>
+              <a:t>regularly</a:t>
+            </a:r>
+          </a:p>
+          <a:p>
+            <a:r>
+              <a:rPr lang="en-US" dirty="0" smtClean="0"/>
+              <a:t>Solution:</a:t>
+            </a:r>
+          </a:p>
+          <a:p>
+            <a:pPr lvl="1"/>
+            <a:r>
+              <a:rPr lang="en-US" dirty="0" smtClean="0"/>
+              <a:t>Make a </a:t>
+            </a:r>
+            <a:r>
+              <a:rPr lang="en-US" b="1" dirty="0" smtClean="0"/>
+              <a:t>plan</a:t>
+            </a:r>
+            <a:r>
+              <a:rPr lang="en-US" dirty="0" smtClean="0"/>
+              <a:t> and stick to it</a:t>
+            </a:r>
+          </a:p>
+        </p:txBody>
+      </p:sp>
+    </p:spTree>
+    <p:extLst>
+      <p:ext uri="{BB962C8B-B14F-4D97-AF65-F5344CB8AC3E}">
+        <p14:creationId xmlns:p14="http://schemas.microsoft.com/office/powerpoint/2010/main" val="3720959930"/>
+      </p:ext>
+    </p:extLst>
+  </p:cSld>
+  <p:clrMapOvr>
+    <a:masterClrMapping/>
+  </p:clrMapOvr>
+  <p:timing>
+    <p:tnLst>
+      <p:par>
+        <p:cTn id="1" dur="indefinite" restart="never" nodeType="tmRoot">
+          <p:childTnLst>
+            <p:seq concurrent="1" nextAc="seek">
+              <p:cTn id="2" dur="indefinite" nodeType="mainSeq">
+                <p:childTnLst>
+                  <p:par>
+                    <p:cTn id="3" fill="hold">
+                      <p:stCondLst>
+                        <p:cond delay="indefinite"/>
+                      </p:stCondLst>
+                      <p:childTnLst>
+                        <p:par>
+                          <p:cTn id="4" fill="hold">
+                            <p:stCondLst>
+                              <p:cond delay="0"/>
+                            </p:stCondLst>
+                            <p:childTnLst>
+                              <p:par>
+                                <p:cTn id="5" presetID="2" presetClass="entr" presetSubtype="4" fill="hold" grpId="0" nodeType="clickEffect">
+                                  <p:stCondLst>
+                                    <p:cond delay="0"/>
+                                  </p:stCondLst>
+                                  <p:childTnLst>
+                                    <p:set>
+                                      <p:cBhvr>
+                                        <p:cTn id="6" dur="1" fill="hold">
+                                          <p:stCondLst>
+                                            <p:cond delay="0"/>
+                                          </p:stCondLst>
+                                        </p:cTn>
+                                        <p:tgtEl>
+                                          <p:spTgt spid="3">
+                                            <p:txEl>
+                                              <p:pRg st="0" end="0"/>
+                                            </p:txEl>
+                                          </p:spTgt>
+                                        </p:tgtEl>
+                                        <p:attrNameLst>
+                                          <p:attrName>style.visibility</p:attrName>
+                                        </p:attrNameLst>
+                                      </p:cBhvr>
+                                      <p:to>
+                                        <p:strVal val="visible"/>
+                                      </p:to>
+                                    </p:set>
+                                    <p:anim calcmode="lin" valueType="num">
+                                      <p:cBhvr additive="base">
+                                        <p:cTn id="7" dur="500" fill="hold"/>
+                                        <p:tgtEl>
+                                          <p:spTgt spid="3">
+                                            <p:txEl>
+                                              <p:pRg st="0" end="0"/>
+                                            </p:txEl>
+                                          </p:spTgt>
+                                        </p:tgtEl>
+                                        <p:attrNameLst>
+                                          <p:attrName>ppt_x</p:attrName>
+                                        </p:attrNameLst>
+                                      </p:cBhvr>
+                                      <p:tavLst>
+                                        <p:tav tm="0">
+                                          <p:val>
+                                            <p:strVal val="#ppt_x"/>
+                                          </p:val>
+                                        </p:tav>
+                                        <p:tav tm="100000">
+                                          <p:val>
+                                            <p:strVal val="#ppt_x"/>
+                                          </p:val>
+                                        </p:tav>
+                                      </p:tavLst>
+                                    </p:anim>
+                                    <p:anim calcmode="lin" valueType="num">
+                                      <p:cBhvr additive="base">
+                                        <p:cTn id="8" dur="500" fill="hold"/>
+                                        <p:tgtEl>
+                                          <p:spTgt spid="3">
+                                            <p:txEl>
+                                              <p:pRg st="0" end="0"/>
+                                            </p:txEl>
+                                          </p:spTgt>
+                                        </p:tgtEl>
+                                        <p:attrNameLst>
+                                          <p:attrName>ppt_y</p:attrName>
+                                        </p:attrNameLst>
+                                      </p:cBhvr>
+                                      <p:tavLst>
+                                        <p:tav tm="0">
+                                          <p:val>
+                                            <p:strVal val="1+#ppt_h/2"/>
+                                          </p:val>
+                                        </p:tav>
+                                        <p:tav tm="100000">
+                                          <p:val>
+                                            <p:strVal val="#ppt_y"/>
+                                          </p:val>
+                                        </p:tav>
+                                      </p:tavLst>
+                                    </p:anim>
+                                  </p:childTnLst>
+                                </p:cTn>
+                              </p:par>
+                              <p:par>
+                                <p:cTn id="9" presetID="2" presetClass="entr" presetSubtype="4" fill="hold" grpId="0" nodeType="withEffect">
+                                  <p:stCondLst>
+                                    <p:cond delay="0"/>
+                                  </p:stCondLst>
+                                  <p:childTnLst>
+                                    <p:set>
+                                      <p:cBhvr>
+                                        <p:cTn id="10" dur="1" fill="hold">
+                                          <p:stCondLst>
+                                            <p:cond delay="0"/>
+                                          </p:stCondLst>
+                                        </p:cTn>
+                                        <p:tgtEl>
+                                          <p:spTgt spid="3">
+                                            <p:txEl>
+                                              <p:pRg st="1" end="1"/>
+                                            </p:txEl>
+                                          </p:spTgt>
+                                        </p:tgtEl>
+                                        <p:attrNameLst>
+                                          <p:attrName>style.visibility</p:attrName>
+                                        </p:attrNameLst>
+                                      </p:cBhvr>
+                                      <p:to>
+                                        <p:strVal val="visible"/>
+                                      </p:to>
+                                    </p:set>
+                                    <p:anim calcmode="lin" valueType="num">
+                                      <p:cBhvr additive="base">
+                                        <p:cTn id="11" dur="500" fill="hold"/>
+                                        <p:tgtEl>
+                                          <p:spTgt spid="3">
+                                            <p:txEl>
+                                              <p:pRg st="1" end="1"/>
+                                            </p:txEl>
+                                          </p:spTgt>
+                                        </p:tgtEl>
+                                        <p:attrNameLst>
+                                          <p:attrName>ppt_x</p:attrName>
+                                        </p:attrNameLst>
+                                      </p:cBhvr>
+                                      <p:tavLst>
+                                        <p:tav tm="0">
+                                          <p:val>
+                                            <p:strVal val="#ppt_x"/>
+                                          </p:val>
+                                        </p:tav>
+                                        <p:tav tm="100000">
+                                          <p:val>
+                                            <p:strVal val="#ppt_x"/>
+                                          </p:val>
+                                        </p:tav>
+                                      </p:tavLst>
+                                    </p:anim>
+                                    <p:anim calcmode="lin" valueType="num">
+                                      <p:cBhvr additive="base">
+                                        <p:cTn id="12" dur="500" fill="hold"/>
+                                        <p:tgtEl>
+                                          <p:spTgt spid="3">
+                                            <p:txEl>
+                                              <p:pRg st="1" end="1"/>
+                                            </p:txEl>
+                                          </p:spTgt>
+                                        </p:tgtEl>
+                                        <p:attrNameLst>
+                                          <p:attrName>ppt_y</p:attrName>
+                                        </p:attrNameLst>
+                                      </p:cBhvr>
+                                      <p:tavLst>
+                                        <p:tav tm="0">
+                                          <p:val>
+                                            <p:strVal val="1+#ppt_h/2"/>
+                                          </p:val>
+                                        </p:tav>
+                                        <p:tav tm="100000">
+                                          <p:val>
+                                            <p:strVal val="#ppt_y"/>
+                                          </p:val>
+                                        </p:tav>
+                                      </p:tavLst>
+                                    </p:anim>
+                                  </p:childTnLst>
+                                </p:cTn>
+                              </p:par>
+                            </p:childTnLst>
+                          </p:cTn>
+                        </p:par>
+                      </p:childTnLst>
+                    </p:cTn>
+                  </p:par>
+                  <p:par>
+                    <p:cTn id="13" fill="hold">
+                      <p:stCondLst>
+                        <p:cond delay="indefinite"/>
+                      </p:stCondLst>
+                      <p:childTnLst>
+                        <p:par>
+                          <p:cTn id="14" fill="hold">
+                            <p:stCondLst>
+                              <p:cond delay="0"/>
+                            </p:stCondLst>
+                            <p:childTnLst>
+                              <p:par>
+                                <p:cTn id="15" presetID="2" presetClass="entr" presetSubtype="4" fill="hold" grpId="0" nodeType="clickEffect">
+                                  <p:stCondLst>
+                                    <p:cond delay="0"/>
+                                  </p:stCondLst>
+                                  <p:childTnLst>
+                                    <p:set>
+                                      <p:cBhvr>
+                                        <p:cTn id="16" dur="1" fill="hold">
+                                          <p:stCondLst>
+                                            <p:cond delay="0"/>
+                                          </p:stCondLst>
+                                        </p:cTn>
+                                        <p:tgtEl>
+                                          <p:spTgt spid="3">
+                                            <p:txEl>
+                                              <p:pRg st="2" end="2"/>
+                                            </p:txEl>
+                                          </p:spTgt>
+                                        </p:tgtEl>
+                                        <p:attrNameLst>
+                                          <p:attrName>style.visibility</p:attrName>
+                                        </p:attrNameLst>
+                                      </p:cBhvr>
+                                      <p:to>
+                                        <p:strVal val="visible"/>
+                                      </p:to>
+                                    </p:set>
+                                    <p:anim calcmode="lin" valueType="num">
+                                      <p:cBhvr additive="base">
+                                        <p:cTn id="17" dur="500" fill="hold"/>
+                                        <p:tgtEl>
+                                          <p:spTgt spid="3">
+                                            <p:txEl>
+                                              <p:pRg st="2" end="2"/>
+                                            </p:txEl>
+                                          </p:spTgt>
+                                        </p:tgtEl>
+                                        <p:attrNameLst>
+                                          <p:attrName>ppt_x</p:attrName>
+                                        </p:attrNameLst>
+                                      </p:cBhvr>
+                                      <p:tavLst>
+                                        <p:tav tm="0">
+                                          <p:val>
+                                            <p:strVal val="#ppt_x"/>
+                                          </p:val>
+                                        </p:tav>
+                                        <p:tav tm="100000">
+                                          <p:val>
+                                            <p:strVal val="#ppt_x"/>
+                                          </p:val>
+                                        </p:tav>
+                                      </p:tavLst>
+                                    </p:anim>
+                                    <p:anim calcmode="lin" valueType="num">
+                                      <p:cBhvr additive="base">
+                                        <p:cTn id="18" dur="500" fill="hold"/>
+                                        <p:tgtEl>
+                                          <p:spTgt spid="3">
+                                            <p:txEl>
+                                              <p:pRg st="2" end="2"/>
+                                            </p:txEl>
+                                          </p:spTgt>
+                                        </p:tgtEl>
+                                        <p:attrNameLst>
+                                          <p:attrName>ppt_y</p:attrName>
+                                        </p:attrNameLst>
+                                      </p:cBhvr>
+                                      <p:tavLst>
+                                        <p:tav tm="0">
+                                          <p:val>
+                                            <p:strVal val="1+#ppt_h/2"/>
+                                          </p:val>
+                                        </p:tav>
+                                        <p:tav tm="100000">
+                                          <p:val>
+                                            <p:strVal val="#ppt_y"/>
+                                          </p:val>
+                                        </p:tav>
+                                      </p:tavLst>
+                                    </p:anim>
+                                  </p:childTnLst>
+                                </p:cTn>
+                              </p:par>
+                              <p:par>
+                                <p:cTn id="19" presetID="2" presetClass="entr" presetSubtype="4" fill="hold" grpId="0" nodeType="withEffect">
+                                  <p:stCondLst>
+                                    <p:cond delay="0"/>
+                                  </p:stCondLst>
+                                  <p:childTnLst>
+                                    <p:set>
+                                      <p:cBhvr>
+                                        <p:cTn id="20" dur="1" fill="hold">
+                                          <p:stCondLst>
+                                            <p:cond delay="0"/>
+                                          </p:stCondLst>
+                                        </p:cTn>
+                                        <p:tgtEl>
+                                          <p:spTgt spid="3">
+                                            <p:txEl>
+                                              <p:pRg st="3" end="3"/>
+                                            </p:txEl>
+                                          </p:spTgt>
+                                        </p:tgtEl>
+                                        <p:attrNameLst>
+                                          <p:attrName>style.visibility</p:attrName>
+                                        </p:attrNameLst>
+                                      </p:cBhvr>
+                                      <p:to>
+                                        <p:strVal val="visible"/>
+                                      </p:to>
+                                    </p:set>
+                                    <p:anim calcmode="lin" valueType="num">
+                                      <p:cBhvr additive="base">
+                                        <p:cTn id="21" dur="500" fill="hold"/>
+                                        <p:tgtEl>
+                                          <p:spTgt spid="3">
+                                            <p:txEl>
+                                              <p:pRg st="3" end="3"/>
+                                            </p:txEl>
+                                          </p:spTgt>
+                                        </p:tgtEl>
+                                        <p:attrNameLst>
+                                          <p:attrName>ppt_x</p:attrName>
+                                        </p:attrNameLst>
+                                      </p:cBhvr>
+                                      <p:tavLst>
+                                        <p:tav tm="0">
+                                          <p:val>
+                                            <p:strVal val="#ppt_x"/>
+                                          </p:val>
+                                        </p:tav>
+                                        <p:tav tm="100000">
+                                          <p:val>
+                                            <p:strVal val="#ppt_x"/>
+                                          </p:val>
+                                        </p:tav>
+                                      </p:tavLst>
+                                    </p:anim>
+                                    <p:anim calcmode="lin" valueType="num">
+                                      <p:cBhvr additive="base">
+                                        <p:cTn id="22" dur="500" fill="hold"/>
+                                        <p:tgtEl>
+                                          <p:spTgt spid="3">
+                                            <p:txEl>
+                                              <p:pRg st="3" end="3"/>
+                                            </p:txEl>
+                                          </p:spTgt>
+                                        </p:tgtEl>
+                                        <p:attrNameLst>
+                                          <p:attrName>ppt_y</p:attrName>
+                                        </p:attrNameLst>
+                                      </p:cBhvr>
+                                      <p:tavLst>
+                                        <p:tav tm="0">
+                                          <p:val>
+                                            <p:strVal val="1+#ppt_h/2"/>
+                                          </p:val>
+                                        </p:tav>
+                                        <p:tav tm="100000">
+                                          <p:val>
+                                            <p:strVal val="#ppt_y"/>
+                                          </p:val>
+                                        </p:tav>
+                                      </p:tavLst>
+                                    </p:anim>
+                                  </p:childTnLst>
+                                </p:cTn>
+                              </p:par>
+                            </p:childTnLst>
+                          </p:cTn>
+                        </p:par>
+                      </p:childTnLst>
+                    </p:cTn>
+                  </p:par>
+                </p:childTnLst>
+              </p:cTn>
+              <p:prevCondLst>
+                <p:cond evt="onPrev" delay="0">
+                  <p:tgtEl>
+                    <p:sldTgt/>
+                  </p:tgtEl>
+                </p:cond>
+              </p:prevCondLst>
+              <p:nextCondLst>
+                <p:cond evt="onNext" delay="0">
+                  <p:tgtEl>
+                    <p:sldTgt/>
+                  </p:tgtEl>
+                </p:cond>
+              </p:nextCondLst>
+            </p:seq>
+          </p:childTnLst>
+        </p:cTn>
+      </p:par>
+    </p:tnLst>
+    <p:bldLst>
+      <p:bldP spid="3" grpId="0" build="p"/>
+    </p:bldLst>
+  </p:timing>
+</p:sld>
+</file>
+
+<file path=ppt/slides/slide4.xml><?xml version="1.0" encoding="utf-8"?>
+<p:sld xmlns:a="http://schemas.openxmlformats.org/drawingml/2006/main" xmlns:r="http://schemas.openxmlformats.org/officeDocument/2006/relationships" xmlns:p="http://schemas.openxmlformats.org/presentationml/2006/main">
+  <p:cSld>
+    <p:spTree>
+      <p:nvGrpSpPr>
+        <p:cNvPr id="1" name=""/>
+        <p:cNvGrpSpPr/>
+        <p:nvPr/>
+      </p:nvGrpSpPr>
+      <p:grpSpPr>
+        <a:xfrm>
+          <a:off x="0" y="0"/>
+          <a:ext cx="0" cy="0"/>
+          <a:chOff x="0" y="0"/>
+          <a:chExt cx="0" cy="0"/>
+        </a:xfrm>
+      </p:grpSpPr>
+      <p:sp>
+        <p:nvSpPr>
+          <p:cNvPr id="2" name="Title 1"/>
+          <p:cNvSpPr>
+            <a:spLocks noGrp="1"/>
+          </p:cNvSpPr>
+          <p:nvPr>
+            <p:ph type="title"/>
+          </p:nvPr>
+        </p:nvSpPr>
+        <p:spPr>
+          <a:xfrm>
+            <a:off x="0" y="0"/>
+            <a:ext cx="8596668" cy="1320800"/>
+          </a:xfrm>
+        </p:spPr>
+        <p:txBody>
+          <a:bodyPr/>
+          <a:lstStyle/>
+          <a:p>
+            <a:r>
+              <a:rPr lang="en-US" dirty="0" smtClean="0"/>
+              <a:t>A 2000 Calorie Meal Plan:</a:t>
+            </a:r>
+            <a:endParaRPr lang="en-US" dirty="0"/>
+          </a:p>
+        </p:txBody>
+      </p:sp>
+      <p:pic>
+        <p:nvPicPr>
+          <p:cNvPr id="4" name="Content Placeholder 3"/>
+          <p:cNvPicPr>
+            <a:picLocks noGrp="1" noChangeAspect="1"/>
+          </p:cNvPicPr>
+          <p:nvPr>
+            <p:ph idx="1"/>
+          </p:nvPr>
+        </p:nvPicPr>
+        <p:blipFill>
+          <a:blip r:embed="rId2">
+            <a:extLst>
+              <a:ext uri="{28A0092B-C50C-407E-A947-70E740481C1C}">
+                <a14:useLocalDpi xmlns:a14="http://schemas.microsoft.com/office/drawing/2010/main" val="0"/>
+              </a:ext>
+            </a:extLst>
+          </a:blip>
+          <a:stretch>
+            <a:fillRect/>
+          </a:stretch>
+        </p:blipFill>
+        <p:spPr>
+          <a:xfrm>
+            <a:off x="1910003" y="660400"/>
+            <a:ext cx="4776662" cy="6102243"/>
+          </a:xfrm>
+        </p:spPr>
+      </p:pic>
+    </p:spTree>
+    <p:extLst>
+      <p:ext uri="{BB962C8B-B14F-4D97-AF65-F5344CB8AC3E}">
+        <p14:creationId xmlns:p14="http://schemas.microsoft.com/office/powerpoint/2010/main" val="3796465074"/>
+      </p:ext>
+    </p:extLst>
+  </p:cSld>
+  <p:clrMapOvr>
+    <a:masterClrMapping/>
+  </p:clrMapOvr>
+  <p:timing>
+    <p:tnLst>
+      <p:par>
+        <p:cTn id="1" dur="indefinite" restart="never" nodeType="tmRoot">
+          <p:childTnLst>
+            <p:seq concurrent="1" nextAc="seek">
+              <p:cTn id="2" dur="indefinite" nodeType="mainSeq">
+                <p:childTnLst>
+                  <p:par>
+                    <p:cTn id="3" fill="hold">
+                      <p:stCondLst>
+                        <p:cond delay="indefinite"/>
+                      </p:stCondLst>
+                      <p:childTnLst>
+                        <p:par>
+                          <p:cTn id="4" fill="hold">
+                            <p:stCondLst>
+                              <p:cond delay="0"/>
+                            </p:stCondLst>
+                            <p:childTnLst>
+                              <p:par>
+                                <p:cTn id="5" presetID="22" presetClass="entr" presetSubtype="4" fill="hold" nodeType="clickEffect">
+                                  <p:stCondLst>
+                                    <p:cond delay="0"/>
+                                  </p:stCondLst>
+                                  <p:childTnLst>
+                                    <p:set>
+                                      <p:cBhvr>
+                                        <p:cTn id="6" dur="1" fill="hold">
+                                          <p:stCondLst>
+                                            <p:cond delay="0"/>
+                                          </p:stCondLst>
+                                        </p:cTn>
+                                        <p:tgtEl>
+                                          <p:spTgt spid="4"/>
+                                        </p:tgtEl>
+                                        <p:attrNameLst>
+                                          <p:attrName>style.visibility</p:attrName>
+                                        </p:attrNameLst>
+                                      </p:cBhvr>
+                                      <p:to>
+                                        <p:strVal val="visible"/>
+                                      </p:to>
+                                    </p:set>
+                                    <p:animEffect transition="in" filter="wipe(down)">
+                                      <p:cBhvr>
+                                        <p:cTn id="7" dur="500"/>
+                                        <p:tgtEl>
+                                          <p:spTgt spid="4"/>
+                                        </p:tgtEl>
+                                      </p:cBhvr>
+                                    </p:animEffect>
+                                  </p:childTnLst>
+                                </p:cTn>
+                              </p:par>
+                            </p:childTnLst>
+                          </p:cTn>
+                        </p:par>
+                      </p:childTnLst>
+                    </p:cTn>
+                  </p:par>
+                </p:childTnLst>
+              </p:cTn>
+              <p:prevCondLst>
+                <p:cond evt="onPrev" delay="0">
+                  <p:tgtEl>
+                    <p:sldTgt/>
+                  </p:tgtEl>
+                </p:cond>
+              </p:prevCondLst>
+              <p:nextCondLst>
+                <p:cond evt="onNext" delay="0">
+                  <p:tgtEl>
+                    <p:sldTgt/>
+                  </p:tgtEl>
+                </p:cond>
+              </p:nextCondLst>
+            </p:seq>
+          </p:childTnLst>
+        </p:cTn>
+      </p:par>
+    </p:tnLst>
+  </p:timing>
+</p:sld>
+</file>
+
+<file path=ppt/slides/slide5.xml><?xml version="1.0" encoding="utf-8"?>
+<p:sld xmlns:a="http://schemas.openxmlformats.org/drawingml/2006/main" xmlns:r="http://schemas.openxmlformats.org/officeDocument/2006/relationships" xmlns:p="http://schemas.openxmlformats.org/presentationml/2006/main">
+  <p:cSld>
+    <p:spTree>
+      <p:nvGrpSpPr>
+        <p:cNvPr id="1" name=""/>
+        <p:cNvGrpSpPr/>
+        <p:nvPr/>
+      </p:nvGrpSpPr>
+      <p:grpSpPr>
+        <a:xfrm>
+          <a:off x="0" y="0"/>
+          <a:ext cx="0" cy="0"/>
+          <a:chOff x="0" y="0"/>
+          <a:chExt cx="0" cy="0"/>
+        </a:xfrm>
+      </p:grpSpPr>
+      <p:sp>
+        <p:nvSpPr>
+          <p:cNvPr id="2" name="Title 1"/>
+          <p:cNvSpPr>
+            <a:spLocks noGrp="1"/>
+          </p:cNvSpPr>
+          <p:nvPr>
+            <p:ph type="title"/>
+          </p:nvPr>
+        </p:nvSpPr>
+        <p:spPr>
+          <a:xfrm>
+            <a:off x="0" y="0"/>
+            <a:ext cx="8596668" cy="1320800"/>
+          </a:xfrm>
+        </p:spPr>
+        <p:txBody>
+          <a:bodyPr/>
+          <a:lstStyle/>
+          <a:p>
+            <a:r>
+              <a:rPr lang="en-US" dirty="0" smtClean="0"/>
+              <a:t>And a 4-day training plan:</a:t>
+            </a:r>
+            <a:endParaRPr lang="en-US" dirty="0"/>
+          </a:p>
+        </p:txBody>
+      </p:sp>
+      <p:pic>
+        <p:nvPicPr>
+          <p:cNvPr id="4" name="Content Placeholder 3"/>
+          <p:cNvPicPr>
+            <a:picLocks noGrp="1" noChangeAspect="1"/>
+          </p:cNvPicPr>
+          <p:nvPr>
+            <p:ph idx="1"/>
+          </p:nvPr>
+        </p:nvPicPr>
+        <p:blipFill>
+          <a:blip r:embed="rId2">
+            <a:extLst>
+              <a:ext uri="{28A0092B-C50C-407E-A947-70E740481C1C}">
+                <a14:useLocalDpi xmlns:a14="http://schemas.microsoft.com/office/drawing/2010/main" val="0"/>
+              </a:ext>
+            </a:extLst>
+          </a:blip>
+          <a:stretch>
+            <a:fillRect/>
+          </a:stretch>
+        </p:blipFill>
+        <p:spPr>
+          <a:xfrm>
+            <a:off x="479152" y="660400"/>
+            <a:ext cx="6899519" cy="6173254"/>
+          </a:xfrm>
+        </p:spPr>
+      </p:pic>
+    </p:spTree>
+    <p:extLst>
+      <p:ext uri="{BB962C8B-B14F-4D97-AF65-F5344CB8AC3E}">
+        <p14:creationId xmlns:p14="http://schemas.microsoft.com/office/powerpoint/2010/main" val="2910861076"/>
+      </p:ext>
+    </p:extLst>
+  </p:cSld>
+  <p:clrMapOvr>
+    <a:masterClrMapping/>
+  </p:clrMapOvr>
+  <p:timing>
+    <p:tnLst>
+      <p:par>
+        <p:cTn id="1" dur="indefinite" restart="never" nodeType="tmRoot">
+          <p:childTnLst>
+            <p:seq concurrent="1" nextAc="seek">
+              <p:cTn id="2" dur="indefinite" nodeType="mainSeq">
+                <p:childTnLst>
+                  <p:par>
+                    <p:cTn id="3" fill="hold">
+                      <p:stCondLst>
+                        <p:cond delay="indefinite"/>
+                      </p:stCondLst>
+                      <p:childTnLst>
+                        <p:par>
+                          <p:cTn id="4" fill="hold">
+                            <p:stCondLst>
+                              <p:cond delay="0"/>
+                            </p:stCondLst>
+                            <p:childTnLst>
+                              <p:par>
+                                <p:cTn id="5" presetID="22" presetClass="entr" presetSubtype="4" fill="hold" nodeType="clickEffect">
+                                  <p:stCondLst>
+                                    <p:cond delay="0"/>
+                                  </p:stCondLst>
+                                  <p:childTnLst>
+                                    <p:set>
+                                      <p:cBhvr>
+                                        <p:cTn id="6" dur="1" fill="hold">
+                                          <p:stCondLst>
+                                            <p:cond delay="0"/>
+                                          </p:stCondLst>
+                                        </p:cTn>
+                                        <p:tgtEl>
+                                          <p:spTgt spid="4"/>
+                                        </p:tgtEl>
+                                        <p:attrNameLst>
+                                          <p:attrName>style.visibility</p:attrName>
+                                        </p:attrNameLst>
+                                      </p:cBhvr>
+                                      <p:to>
+                                        <p:strVal val="visible"/>
+                                      </p:to>
+                                    </p:set>
+                                    <p:animEffect transition="in" filter="wipe(down)">
+                                      <p:cBhvr>
+                                        <p:cTn id="7" dur="500"/>
+                                        <p:tgtEl>
+                                          <p:spTgt spid="4"/>
+                                        </p:tgtEl>
+                                      </p:cBhvr>
+                                    </p:animEffect>
+                                  </p:childTnLst>
+                                </p:cTn>
+                              </p:par>
+                            </p:childTnLst>
+                          </p:cTn>
+                        </p:par>
+                      </p:childTnLst>
+                    </p:cTn>
+                  </p:par>
+                </p:childTnLst>
+              </p:cTn>
+              <p:prevCondLst>
+                <p:cond evt="onPrev" delay="0">
+                  <p:tgtEl>
+                    <p:sldTgt/>
+                  </p:tgtEl>
+                </p:cond>
+              </p:prevCondLst>
+              <p:nextCondLst>
+                <p:cond evt="onNext" delay="0">
+                  <p:tgtEl>
+                    <p:sldTgt/>
+                  </p:tgtEl>
+                </p:cond>
+              </p:nextCondLst>
+            </p:seq>
+          </p:childTnLst>
+        </p:cTn>
+      </p:par>
+    </p:tnLst>
+  </p:timing>
+</p:sld>
+</file>
+
+<file path=ppt/slides/slide6.xml><?xml version="1.0" encoding="utf-8"?>
+<p:sld xmlns:a="http://schemas.openxmlformats.org/drawingml/2006/main" xmlns:r="http://schemas.openxmlformats.org/officeDocument/2006/relationships" xmlns:p="http://schemas.openxmlformats.org/presentationml/2006/main">
+  <p:cSld>
+    <p:spTree>
+      <p:nvGrpSpPr>
+        <p:cNvPr id="1" name=""/>
+        <p:cNvGrpSpPr/>
+        <p:nvPr/>
+      </p:nvGrpSpPr>
+      <p:grpSpPr>
+        <a:xfrm>
+          <a:off x="0" y="0"/>
+          <a:ext cx="0" cy="0"/>
+          <a:chOff x="0" y="0"/>
+          <a:chExt cx="0" cy="0"/>
+        </a:xfrm>
+      </p:grpSpPr>
+      <p:sp>
+        <p:nvSpPr>
+          <p:cNvPr id="2" name="Title 1"/>
+          <p:cNvSpPr>
+            <a:spLocks noGrp="1"/>
+          </p:cNvSpPr>
+          <p:nvPr>
+            <p:ph type="title"/>
+          </p:nvPr>
+        </p:nvSpPr>
+        <p:spPr/>
+        <p:txBody>
+          <a:bodyPr/>
+          <a:lstStyle/>
+          <a:p>
+            <a:r>
+              <a:rPr lang="en-US" dirty="0" smtClean="0"/>
+              <a:t>Most common excuse: I have no time to exercise</a:t>
+            </a:r>
+            <a:endParaRPr lang="en-US" dirty="0"/>
+          </a:p>
+        </p:txBody>
+      </p:sp>
+      <p:pic>
+        <p:nvPicPr>
+          <p:cNvPr id="4" name="Content Placeholder 3"/>
+          <p:cNvPicPr>
+            <a:picLocks noGrp="1" noChangeAspect="1"/>
+          </p:cNvPicPr>
+          <p:nvPr>
+            <p:ph idx="1"/>
+          </p:nvPr>
+        </p:nvPicPr>
+        <p:blipFill>
+          <a:blip r:embed="rId2">
+            <a:extLst>
+              <a:ext uri="{28A0092B-C50C-407E-A947-70E740481C1C}">
+                <a14:useLocalDpi xmlns:a14="http://schemas.microsoft.com/office/drawing/2010/main" val="0"/>
+              </a:ext>
+            </a:extLst>
+          </a:blip>
+          <a:stretch>
+            <a:fillRect/>
+          </a:stretch>
+        </p:blipFill>
+        <p:spPr>
+          <a:xfrm>
+            <a:off x="1026099" y="1930399"/>
+            <a:ext cx="6446755" cy="4719025"/>
+          </a:xfrm>
+        </p:spPr>
+      </p:pic>
+    </p:spTree>
+    <p:extLst>
+      <p:ext uri="{BB962C8B-B14F-4D97-AF65-F5344CB8AC3E}">
+        <p14:creationId xmlns:p14="http://schemas.microsoft.com/office/powerpoint/2010/main" val="3462422359"/>
+      </p:ext>
+    </p:extLst>
+  </p:cSld>
+  <p:clrMapOvr>
+    <a:masterClrMapping/>
+  </p:clrMapOvr>
+  <p:timing>
+    <p:tnLst>
+      <p:par>
+        <p:cTn id="1" dur="indefinite" restart="never" nodeType="tmRoot">
+          <p:childTnLst>
+            <p:seq concurrent="1" nextAc="seek">
+              <p:cTn id="2" dur="indefinite" nodeType="mainSeq">
+                <p:childTnLst>
+                  <p:par>
+                    <p:cTn id="3" fill="hold">
+                      <p:stCondLst>
+                        <p:cond delay="indefinite"/>
+                      </p:stCondLst>
+                      <p:childTnLst>
+                        <p:par>
+                          <p:cTn id="4" fill="hold">
+                            <p:stCondLst>
+                              <p:cond delay="0"/>
+                            </p:stCondLst>
+                            <p:childTnLst>
+                              <p:par>
+                                <p:cTn id="5" presetID="10" presetClass="entr" presetSubtype="0" fill="hold" nodeType="clickEffect">
+                                  <p:stCondLst>
+                                    <p:cond delay="0"/>
+                                  </p:stCondLst>
+                                  <p:childTnLst>
+                                    <p:set>
+                                      <p:cBhvr>
+                                        <p:cTn id="6" dur="1" fill="hold">
+                                          <p:stCondLst>
+                                            <p:cond delay="0"/>
+                                          </p:stCondLst>
+                                        </p:cTn>
+                                        <p:tgtEl>
+                                          <p:spTgt spid="4"/>
+                                        </p:tgtEl>
+                                        <p:attrNameLst>
+                                          <p:attrName>style.visibility</p:attrName>
+                                        </p:attrNameLst>
+                                      </p:cBhvr>
+                                      <p:to>
+                                        <p:strVal val="visible"/>
+                                      </p:to>
+                                    </p:set>
+                                    <p:animEffect transition="in" filter="fade">
+                                      <p:cBhvr>
+                                        <p:cTn id="7" dur="500"/>
+                                        <p:tgtEl>
+                                          <p:spTgt spid="4"/>
+                                        </p:tgtEl>
+                                      </p:cBhvr>
+                                    </p:animEffect>
+                                  </p:childTnLst>
+                                </p:cTn>
+                              </p:par>
+                            </p:childTnLst>
+                          </p:cTn>
+                        </p:par>
+                      </p:childTnLst>
+                    </p:cTn>
+                  </p:par>
+                </p:childTnLst>
+              </p:cTn>
+              <p:prevCondLst>
+                <p:cond evt="onPrev" delay="0">
+                  <p:tgtEl>
+                    <p:sldTgt/>
+                  </p:tgtEl>
+                </p:cond>
+              </p:prevCondLst>
+              <p:nextCondLst>
+                <p:cond evt="onNext" delay="0">
+                  <p:tgtEl>
+                    <p:sldTgt/>
+                  </p:tgtEl>
+                </p:cond>
+              </p:nextCondLst>
+            </p:seq>
+          </p:childTnLst>
+        </p:cTn>
+      </p:par>
+    </p:tnLst>
+  </p:timing>
+</p:sld>
+</file>
+
+<file path=ppt/slides/slide7.xml><?xml version="1.0" encoding="utf-8"?>
+<p:sld xmlns:a="http://schemas.openxmlformats.org/drawingml/2006/main" xmlns:r="http://schemas.openxmlformats.org/officeDocument/2006/relationships" xmlns:p="http://schemas.openxmlformats.org/presentationml/2006/main">
+  <p:cSld>
+    <p:spTree>
+      <p:nvGrpSpPr>
+        <p:cNvPr id="1" name=""/>
+        <p:cNvGrpSpPr/>
+        <p:nvPr/>
+      </p:nvGrpSpPr>
+      <p:grpSpPr>
+        <a:xfrm>
+          <a:off x="0" y="0"/>
+          <a:ext cx="0" cy="0"/>
+          <a:chOff x="0" y="0"/>
+          <a:chExt cx="0" cy="0"/>
+        </a:xfrm>
+      </p:grpSpPr>
+      <p:sp>
+        <p:nvSpPr>
+          <p:cNvPr id="2" name="Title 1"/>
+          <p:cNvSpPr>
+            <a:spLocks noGrp="1"/>
+          </p:cNvSpPr>
+          <p:nvPr>
+            <p:ph type="title"/>
+          </p:nvPr>
+        </p:nvSpPr>
+        <p:spPr/>
+        <p:txBody>
+          <a:bodyPr/>
+          <a:lstStyle/>
+          <a:p>
+            <a:r>
+              <a:rPr lang="en-US" dirty="0"/>
+              <a:t>Most common excuse: I have no time to exercise</a:t>
+            </a:r>
+          </a:p>
+        </p:txBody>
+      </p:sp>
+      <p:sp>
+        <p:nvSpPr>
+          <p:cNvPr id="3" name="Content Placeholder 2"/>
+          <p:cNvSpPr>
+            <a:spLocks noGrp="1"/>
+          </p:cNvSpPr>
+          <p:nvPr>
+            <p:ph idx="1"/>
+          </p:nvPr>
+        </p:nvSpPr>
+        <p:spPr/>
+        <p:txBody>
+          <a:bodyPr/>
+          <a:lstStyle/>
+          <a:p>
+            <a:r>
+              <a:rPr lang="en-US" dirty="0" smtClean="0"/>
+              <a:t>Solutions:</a:t>
+            </a:r>
+          </a:p>
+          <a:p>
+            <a:pPr lvl="1"/>
+            <a:r>
+              <a:rPr lang="en-US" dirty="0" smtClean="0"/>
+              <a:t>get </a:t>
+            </a:r>
+            <a:r>
+              <a:rPr lang="en-US" dirty="0"/>
+              <a:t>a complete workout in just under 30 minutes</a:t>
+            </a:r>
+            <a:r>
+              <a:rPr lang="en-US" dirty="0" smtClean="0"/>
+              <a:t>.</a:t>
+            </a:r>
+          </a:p>
+          <a:p>
+            <a:pPr lvl="1"/>
+            <a:r>
+              <a:rPr lang="en-US" dirty="0" smtClean="0"/>
+              <a:t>keep </a:t>
+            </a:r>
+            <a:r>
+              <a:rPr lang="en-US" dirty="0"/>
+              <a:t>the intensity up </a:t>
+            </a:r>
+            <a:endParaRPr lang="en-US" dirty="0" smtClean="0"/>
+          </a:p>
+          <a:p>
+            <a:pPr lvl="1"/>
+            <a:r>
+              <a:rPr lang="en-US" dirty="0" smtClean="0"/>
+              <a:t>make </a:t>
+            </a:r>
+            <a:r>
+              <a:rPr lang="en-US" dirty="0"/>
+              <a:t>sure to take as few breaks as possible.</a:t>
+            </a:r>
+          </a:p>
+        </p:txBody>
+      </p:sp>
+    </p:spTree>
+    <p:extLst>
+      <p:ext uri="{BB962C8B-B14F-4D97-AF65-F5344CB8AC3E}">
+        <p14:creationId xmlns:p14="http://schemas.microsoft.com/office/powerpoint/2010/main" val="2376893561"/>
+      </p:ext>
+    </p:extLst>
+  </p:cSld>
+  <p:clrMapOvr>
+    <a:masterClrMapping/>
+  </p:clrMapOvr>
+  <p:timing>
+    <p:tnLst>
+      <p:par>
+        <p:cTn id="1" dur="indefinite" restart="never" nodeType="tmRoot">
+          <p:childTnLst>
+            <p:seq concurrent="1" nextAc="seek">
+              <p:cTn id="2" dur="indefinite" nodeType="mainSeq">
+                <p:childTnLst>
+                  <p:par>
+                    <p:cTn id="3" fill="hold">
+                      <p:stCondLst>
+                        <p:cond delay="indefinite"/>
+                      </p:stCondLst>
+                      <p:childTnLst>
+                        <p:par>
+                          <p:cTn id="4" fill="hold">
+                            <p:stCondLst>
+                              <p:cond delay="0"/>
+                            </p:stCondLst>
+                            <p:childTnLst>
+                              <p:par>
+                                <p:cTn id="5" presetID="42" presetClass="entr" presetSubtype="0" fill="hold" nodeType="clickEffect">
+                                  <p:stCondLst>
+                                    <p:cond delay="0"/>
+                                  </p:stCondLst>
+                                  <p:childTnLst>
+                                    <p:set>
+                                      <p:cBhvr>
+                                        <p:cTn id="6" dur="1" fill="hold">
+                                          <p:stCondLst>
+                                            <p:cond delay="0"/>
+                                          </p:stCondLst>
+                                        </p:cTn>
+                                        <p:tgtEl>
+                                          <p:spTgt spid="3">
+                                            <p:txEl>
+                                              <p:pRg st="1" end="1"/>
+                                            </p:txEl>
+                                          </p:spTgt>
+                                        </p:tgtEl>
+                                        <p:attrNameLst>
+                                          <p:attrName>style.visibility</p:attrName>
+                                        </p:attrNameLst>
+                                      </p:cBhvr>
+                                      <p:to>
+                                        <p:strVal val="visible"/>
+                                      </p:to>
+                                    </p:set>
+                                    <p:animEffect transition="in" filter="fade">
+                                      <p:cBhvr>
+                                        <p:cTn id="7" dur="1000"/>
+                                        <p:tgtEl>
+                                          <p:spTgt spid="3">
+                                            <p:txEl>
+                                              <p:pRg st="1" end="1"/>
+                                            </p:txEl>
+                                          </p:spTgt>
+                                        </p:tgtEl>
+                                      </p:cBhvr>
+                                    </p:animEffect>
+                                    <p:anim calcmode="lin" valueType="num">
+                                      <p:cBhvr>
+                                        <p:cTn id="8" dur="1000" fill="hold"/>
+                                        <p:tgtEl>
+                                          <p:spTgt spid="3">
+                                            <p:txEl>
+                                              <p:pRg st="1" end="1"/>
+                                            </p:txEl>
+                                          </p:spTgt>
+                                        </p:tgtEl>
+                                        <p:attrNameLst>
+                                          <p:attrName>ppt_x</p:attrName>
+                                        </p:attrNameLst>
+                                      </p:cBhvr>
+                                      <p:tavLst>
+                                        <p:tav tm="0">
+                                          <p:val>
+                                            <p:strVal val="#ppt_x"/>
+                                          </p:val>
+                                        </p:tav>
+                                        <p:tav tm="100000">
+                                          <p:val>
+                                            <p:strVal val="#ppt_x"/>
+                                          </p:val>
+                                        </p:tav>
+                                      </p:tavLst>
+                                    </p:anim>
+                                    <p:anim calcmode="lin" valueType="num">
+                                      <p:cBhvr>
+                                        <p:cTn id="9" dur="1000" fill="hold"/>
+                                        <p:tgtEl>
+                                          <p:spTgt spid="3">
+                                            <p:txEl>
+                                              <p:pRg st="1" end="1"/>
+                                            </p:txEl>
+                                          </p:spTgt>
+                                        </p:tgtEl>
+                                        <p:attrNameLst>
+                                          <p:attrName>ppt_y</p:attrName>
+                                        </p:attrNameLst>
+                                      </p:cBhvr>
+                                      <p:tavLst>
+                                        <p:tav tm="0">
+                                          <p:val>
+                                            <p:strVal val="#ppt_y+.1"/>
+                                          </p:val>
+                                        </p:tav>
+                                        <p:tav tm="100000">
+                                          <p:val>
+                                            <p:strVal val="#ppt_y"/>
+                                          </p:val>
+                                        </p:tav>
+                                      </p:tavLst>
+                                    </p:anim>
+                                  </p:childTnLst>
+                                </p:cTn>
+                              </p:par>
+                            </p:childTnLst>
+                          </p:cTn>
+                        </p:par>
+                      </p:childTnLst>
+                    </p:cTn>
+                  </p:par>
+                  <p:par>
+                    <p:cTn id="10" fill="hold">
+                      <p:stCondLst>
+                        <p:cond delay="indefinite"/>
+                      </p:stCondLst>
+                      <p:childTnLst>
+                        <p:par>
+                          <p:cTn id="11" fill="hold">
+                            <p:stCondLst>
+                              <p:cond delay="0"/>
+                            </p:stCondLst>
+                            <p:childTnLst>
+                              <p:par>
+                                <p:cTn id="12" presetID="42" presetClass="entr" presetSubtype="0" fill="hold" nodeType="clickEffect">
+                                  <p:stCondLst>
+                                    <p:cond delay="0"/>
+                                  </p:stCondLst>
+                                  <p:childTnLst>
+                                    <p:set>
+                                      <p:cBhvr>
+                                        <p:cTn id="13" dur="1" fill="hold">
+                                          <p:stCondLst>
+                                            <p:cond delay="0"/>
+                                          </p:stCondLst>
+                                        </p:cTn>
+                                        <p:tgtEl>
+                                          <p:spTgt spid="3">
+                                            <p:txEl>
+                                              <p:pRg st="2" end="2"/>
+                                            </p:txEl>
+                                          </p:spTgt>
+                                        </p:tgtEl>
+                                        <p:attrNameLst>
+                                          <p:attrName>style.visibility</p:attrName>
+                                        </p:attrNameLst>
+                                      </p:cBhvr>
+                                      <p:to>
+                                        <p:strVal val="visible"/>
+                                      </p:to>
+                                    </p:set>
+                                    <p:animEffect transition="in" filter="fade">
+                                      <p:cBhvr>
+                                        <p:cTn id="14" dur="1000"/>
+                                        <p:tgtEl>
+                                          <p:spTgt spid="3">
+                                            <p:txEl>
+                                              <p:pRg st="2" end="2"/>
+                                            </p:txEl>
+                                          </p:spTgt>
+                                        </p:tgtEl>
+                                      </p:cBhvr>
+                                    </p:animEffect>
+                                    <p:anim calcmode="lin" valueType="num">
+                                      <p:cBhvr>
+                                        <p:cTn id="15" dur="1000" fill="hold"/>
+                                        <p:tgtEl>
+                                          <p:spTgt spid="3">
+                                            <p:txEl>
+                                              <p:pRg st="2" end="2"/>
+                                            </p:txEl>
+                                          </p:spTgt>
+                                        </p:tgtEl>
+                                        <p:attrNameLst>
+                                          <p:attrName>ppt_x</p:attrName>
+                                        </p:attrNameLst>
+                                      </p:cBhvr>
+                                      <p:tavLst>
+                                        <p:tav tm="0">
+                                          <p:val>
+                                            <p:strVal val="#ppt_x"/>
+                                          </p:val>
+                                        </p:tav>
+                                        <p:tav tm="100000">
+                                          <p:val>
+                                            <p:strVal val="#ppt_x"/>
+                                          </p:val>
+                                        </p:tav>
+                                      </p:tavLst>
+                                    </p:anim>
+                                    <p:anim calcmode="lin" valueType="num">
+                                      <p:cBhvr>
+                                        <p:cTn id="16" dur="1000" fill="hold"/>
+                                        <p:tgtEl>
+                                          <p:spTgt spid="3">
+                                            <p:txEl>
+                                              <p:pRg st="2" end="2"/>
+                                            </p:txEl>
+                                          </p:spTgt>
+                                        </p:tgtEl>
+                                        <p:attrNameLst>
+                                          <p:attrName>ppt_y</p:attrName>
+                                        </p:attrNameLst>
+                                      </p:cBhvr>
+                                      <p:tavLst>
+                                        <p:tav tm="0">
+                                          <p:val>
+                                            <p:strVal val="#ppt_y+.1"/>
+                                          </p:val>
+                                        </p:tav>
+                                        <p:tav tm="100000">
+                                          <p:val>
+                                            <p:strVal val="#ppt_y"/>
+                                          </p:val>
+                                        </p:tav>
+                                      </p:tavLst>
+                                    </p:anim>
+                                  </p:childTnLst>
+                                </p:cTn>
+                              </p:par>
+                            </p:childTnLst>
+                          </p:cTn>
+                        </p:par>
+                      </p:childTnLst>
+                    </p:cTn>
+                  </p:par>
+                  <p:par>
+                    <p:cTn id="17" fill="hold">
+                      <p:stCondLst>
+                        <p:cond delay="indefinite"/>
+                      </p:stCondLst>
+                      <p:childTnLst>
+                        <p:par>
+                          <p:cTn id="18" fill="hold">
+                            <p:stCondLst>
+                              <p:cond delay="0"/>
+                            </p:stCondLst>
+                            <p:childTnLst>
+                              <p:par>
+                                <p:cTn id="19" presetID="42" presetClass="entr" presetSubtype="0" fill="hold" nodeType="clickEffect">
+                                  <p:stCondLst>
+                                    <p:cond delay="0"/>
+                                  </p:stCondLst>
+                                  <p:childTnLst>
+                                    <p:set>
+                                      <p:cBhvr>
+                                        <p:cTn id="20" dur="1" fill="hold">
+                                          <p:stCondLst>
+                                            <p:cond delay="0"/>
+                                          </p:stCondLst>
+                                        </p:cTn>
+                                        <p:tgtEl>
+                                          <p:spTgt spid="3">
+                                            <p:txEl>
+                                              <p:pRg st="3" end="3"/>
+                                            </p:txEl>
+                                          </p:spTgt>
+                                        </p:tgtEl>
+                                        <p:attrNameLst>
+                                          <p:attrName>style.visibility</p:attrName>
+                                        </p:attrNameLst>
+                                      </p:cBhvr>
+                                      <p:to>
+                                        <p:strVal val="visible"/>
+                                      </p:to>
+                                    </p:set>
+                                    <p:animEffect transition="in" filter="fade">
+                                      <p:cBhvr>
+                                        <p:cTn id="21" dur="1000"/>
+                                        <p:tgtEl>
+                                          <p:spTgt spid="3">
+                                            <p:txEl>
+                                              <p:pRg st="3" end="3"/>
+                                            </p:txEl>
+                                          </p:spTgt>
+                                        </p:tgtEl>
+                                      </p:cBhvr>
+                                    </p:animEffect>
+                                    <p:anim calcmode="lin" valueType="num">
+                                      <p:cBhvr>
+                                        <p:cTn id="22" dur="1000" fill="hold"/>
+                                        <p:tgtEl>
+                                          <p:spTgt spid="3">
+                                            <p:txEl>
+                                              <p:pRg st="3" end="3"/>
+                                            </p:txEl>
+                                          </p:spTgt>
+                                        </p:tgtEl>
+                                        <p:attrNameLst>
+                                          <p:attrName>ppt_x</p:attrName>
+                                        </p:attrNameLst>
+                                      </p:cBhvr>
+                                      <p:tavLst>
+                                        <p:tav tm="0">
+                                          <p:val>
+                                            <p:strVal val="#ppt_x"/>
+                                          </p:val>
+                                        </p:tav>
+                                        <p:tav tm="100000">
+                                          <p:val>
+                                            <p:strVal val="#ppt_x"/>
+                                          </p:val>
+                                        </p:tav>
+                                      </p:tavLst>
+                                    </p:anim>
+                                    <p:anim calcmode="lin" valueType="num">
+                                      <p:cBhvr>
+                                        <p:cTn id="23" dur="1000" fill="hold"/>
+                                        <p:tgtEl>
+                                          <p:spTgt spid="3">
+                                            <p:txEl>
+                                              <p:pRg st="3" end="3"/>
+                                            </p:txEl>
+                                          </p:spTgt>
+                                        </p:tgtEl>
+                                        <p:attrNameLst>
+                                          <p:attrName>ppt_y</p:attrName>
+                                        </p:attrNameLst>
+                                      </p:cBhvr>
+                                      <p:tavLst>
+                                        <p:tav tm="0">
+                                          <p:val>
+                                            <p:strVal val="#ppt_y+.1"/>
+                                          </p:val>
+                                        </p:tav>
+                                        <p:tav tm="100000">
+                                          <p:val>
+                                            <p:strVal val="#ppt_y"/>
+                                          </p:val>
+                                        </p:tav>
+                                      </p:tavLst>
+                                    </p:anim>
+                                  </p:childTnLst>
+                                </p:cTn>
+                              </p:par>
+                            </p:childTnLst>
+                          </p:cTn>
+                        </p:par>
+                      </p:childTnLst>
+                    </p:cTn>
+                  </p:par>
+                </p:childTnLst>
+              </p:cTn>
+              <p:prevCondLst>
+                <p:cond evt="onPrev" delay="0">
+                  <p:tgtEl>
+                    <p:sldTgt/>
+                  </p:tgtEl>
+                </p:cond>
+              </p:prevCondLst>
+              <p:nextCondLst>
+                <p:cond evt="onNext" delay="0">
+                  <p:tgtEl>
+                    <p:sldTgt/>
+                  </p:tgtEl>
+                </p:cond>
+              </p:nextCondLst>
+            </p:seq>
+          </p:childTnLst>
+        </p:cTn>
+      </p:par>
+    </p:tnLst>
+  </p:timing>
+</p:sld>
+</file>
+
+<file path=ppt/slides/slide8.xml><?xml version="1.0" encoding="utf-8"?>
+<p:sld xmlns:a="http://schemas.openxmlformats.org/drawingml/2006/main" xmlns:r="http://schemas.openxmlformats.org/officeDocument/2006/relationships" xmlns:p="http://schemas.openxmlformats.org/presentationml/2006/main">
+  <p:cSld>
+    <p:spTree>
+      <p:nvGrpSpPr>
+        <p:cNvPr id="1" name=""/>
+        <p:cNvGrpSpPr/>
+        <p:nvPr/>
+      </p:nvGrpSpPr>
+      <p:grpSpPr>
+        <a:xfrm>
+          <a:off x="0" y="0"/>
+          <a:ext cx="0" cy="0"/>
+          <a:chOff x="0" y="0"/>
+          <a:chExt cx="0" cy="0"/>
+        </a:xfrm>
+      </p:grpSpPr>
+      <p:sp>
+        <p:nvSpPr>
+          <p:cNvPr id="2" name="Title 1"/>
+          <p:cNvSpPr>
+            <a:spLocks noGrp="1"/>
+          </p:cNvSpPr>
+          <p:nvPr>
+            <p:ph type="title"/>
+          </p:nvPr>
+        </p:nvSpPr>
+        <p:spPr/>
+        <p:txBody>
+          <a:bodyPr/>
+          <a:lstStyle/>
+          <a:p>
+            <a:r>
+              <a:rPr lang="en-US" dirty="0" smtClean="0"/>
+              <a:t>Another issue: how to make a plan?</a:t>
+            </a:r>
+            <a:endParaRPr lang="en-US" dirty="0"/>
+          </a:p>
+        </p:txBody>
+      </p:sp>
+      <p:sp>
+        <p:nvSpPr>
+          <p:cNvPr id="5" name="Content Placeholder 4"/>
+          <p:cNvSpPr>
+            <a:spLocks noGrp="1"/>
+          </p:cNvSpPr>
+          <p:nvPr>
+            <p:ph idx="1"/>
+          </p:nvPr>
+        </p:nvSpPr>
+        <p:spPr/>
+        <p:txBody>
+          <a:bodyPr/>
+          <a:lstStyle/>
+          <a:p>
+            <a:endParaRPr lang="en-US" dirty="0"/>
+          </a:p>
+          <a:p>
+            <a:endParaRPr lang="en-US" dirty="0" smtClean="0"/>
+          </a:p>
+          <a:p>
+            <a:endParaRPr lang="en-US" dirty="0" smtClean="0"/>
+          </a:p>
+          <a:p>
+            <a:endParaRPr lang="en-US" dirty="0"/>
+          </a:p>
+          <a:p>
+            <a:endParaRPr lang="en-US" dirty="0" smtClean="0"/>
+          </a:p>
+          <a:p>
+            <a:endParaRPr lang="en-US" dirty="0"/>
+          </a:p>
+          <a:p>
+            <a:r>
+              <a:rPr lang="en-US" dirty="0" smtClean="0"/>
+              <a:t>Input some numbers at first</a:t>
+            </a:r>
+          </a:p>
+          <a:p>
+            <a:r>
+              <a:rPr lang="en-US" dirty="0" smtClean="0"/>
+              <a:t>Take a picture when you eat</a:t>
+            </a:r>
+          </a:p>
+          <a:p>
+            <a:r>
+              <a:rPr lang="en-US" dirty="0" smtClean="0"/>
+              <a:t>That’s all!</a:t>
+            </a:r>
+            <a:endParaRPr lang="en-US" dirty="0"/>
+          </a:p>
+        </p:txBody>
+      </p:sp>
+      <p:pic>
+        <p:nvPicPr>
+          <p:cNvPr id="6" name="Content Placeholder 3"/>
+          <p:cNvPicPr>
+            <a:picLocks noChangeAspect="1"/>
+          </p:cNvPicPr>
+          <p:nvPr/>
+        </p:nvPicPr>
+        <p:blipFill>
+          <a:blip r:embed="rId2">
+            <a:extLst>
+              <a:ext uri="{28A0092B-C50C-407E-A947-70E740481C1C}">
+                <a14:useLocalDpi xmlns:a14="http://schemas.microsoft.com/office/drawing/2010/main" val="0"/>
+              </a:ext>
+            </a:extLst>
+          </a:blip>
+          <a:stretch>
+            <a:fillRect/>
+          </a:stretch>
+        </p:blipFill>
+        <p:spPr>
+          <a:xfrm>
+            <a:off x="1103003" y="1495041"/>
+            <a:ext cx="4493310" cy="2990248"/>
+          </a:xfrm>
+          <a:prstGeom prst="rect">
+            <a:avLst/>
+          </a:prstGeom>
+        </p:spPr>
+      </p:pic>
+    </p:spTree>
+    <p:extLst>
+      <p:ext uri="{BB962C8B-B14F-4D97-AF65-F5344CB8AC3E}">
+        <p14:creationId xmlns:p14="http://schemas.microsoft.com/office/powerpoint/2010/main" val="1835385109"/>
+      </p:ext>
+    </p:extLst>
+  </p:cSld>
+  <p:clrMapOvr>
+    <a:masterClrMapping/>
+  </p:clrMapOvr>
+  <p:timing>
+    <p:tnLst>
+      <p:par>
+        <p:cTn id="1" dur="indefinite" restart="never" nodeType="tmRoot">
+          <p:childTnLst>
+            <p:seq concurrent="1" nextAc="seek">
+              <p:cTn id="2" dur="indefinite" nodeType="mainSeq">
+                <p:childTnLst>
+                  <p:par>
+                    <p:cTn id="3" fill="hold">
+                      <p:stCondLst>
+                        <p:cond delay="indefinite"/>
+                      </p:stCondLst>
+                      <p:childTnLst>
+                        <p:par>
+                          <p:cTn id="4" fill="hold">
+                            <p:stCondLst>
+                              <p:cond delay="0"/>
+                            </p:stCondLst>
+                            <p:childTnLst>
+                              <p:par>
+                                <p:cTn id="5" presetID="22" presetClass="entr" presetSubtype="4" fill="hold" nodeType="clickEffect">
+                                  <p:stCondLst>
+                                    <p:cond delay="0"/>
+                                  </p:stCondLst>
+                                  <p:childTnLst>
+                                    <p:set>
+                                      <p:cBhvr>
+                                        <p:cTn id="6" dur="1" fill="hold">
+                                          <p:stCondLst>
+                                            <p:cond delay="0"/>
+                                          </p:stCondLst>
+                                        </p:cTn>
+                                        <p:tgtEl>
+                                          <p:spTgt spid="6"/>
+                                        </p:tgtEl>
+                                        <p:attrNameLst>
+                                          <p:attrName>style.visibility</p:attrName>
+                                        </p:attrNameLst>
+                                      </p:cBhvr>
+                                      <p:to>
+                                        <p:strVal val="visible"/>
+                                      </p:to>
+                                    </p:set>
+                                    <p:animEffect transition="in" filter="wipe(down)">
+                                      <p:cBhvr>
+                                        <p:cTn id="7" dur="500"/>
+                                        <p:tgtEl>
+                                          <p:spTgt spid="6"/>
+                                        </p:tgtEl>
+                                      </p:cBhvr>
+                                    </p:animEffect>
+                                  </p:childTnLst>
+                                </p:cTn>
+                              </p:par>
+                            </p:childTnLst>
+                          </p:cTn>
+                        </p:par>
+                      </p:childTnLst>
+                    </p:cTn>
+                  </p:par>
+                  <p:par>
+                    <p:cTn id="8" fill="hold">
+                      <p:stCondLst>
+                        <p:cond delay="indefinite"/>
+                      </p:stCondLst>
+                      <p:childTnLst>
+                        <p:par>
+                          <p:cTn id="9" fill="hold">
+                            <p:stCondLst>
+                              <p:cond delay="0"/>
+                            </p:stCondLst>
+                            <p:childTnLst>
+                              <p:par>
+                                <p:cTn id="10" presetID="42" presetClass="entr" presetSubtype="0" fill="hold" nodeType="clickEffect">
+                                  <p:stCondLst>
+                                    <p:cond delay="0"/>
+                                  </p:stCondLst>
+                                  <p:childTnLst>
+                                    <p:set>
+                                      <p:cBhvr>
+                                        <p:cTn id="11" dur="1" fill="hold">
+                                          <p:stCondLst>
+                                            <p:cond delay="0"/>
+                                          </p:stCondLst>
+                                        </p:cTn>
+                                        <p:tgtEl>
+                                          <p:spTgt spid="5">
+                                            <p:txEl>
+                                              <p:pRg st="6" end="6"/>
+                                            </p:txEl>
+                                          </p:spTgt>
+                                        </p:tgtEl>
+                                        <p:attrNameLst>
+                                          <p:attrName>style.visibility</p:attrName>
+                                        </p:attrNameLst>
+                                      </p:cBhvr>
+                                      <p:to>
+                                        <p:strVal val="visible"/>
+                                      </p:to>
+                                    </p:set>
+                                    <p:animEffect transition="in" filter="fade">
+                                      <p:cBhvr>
+                                        <p:cTn id="12" dur="1000"/>
+                                        <p:tgtEl>
+                                          <p:spTgt spid="5">
+                                            <p:txEl>
+                                              <p:pRg st="6" end="6"/>
+                                            </p:txEl>
+                                          </p:spTgt>
+                                        </p:tgtEl>
+                                      </p:cBhvr>
+                                    </p:animEffect>
+                                    <p:anim calcmode="lin" valueType="num">
+                                      <p:cBhvr>
+                                        <p:cTn id="13" dur="1000" fill="hold"/>
+                                        <p:tgtEl>
+                                          <p:spTgt spid="5">
+                                            <p:txEl>
+                                              <p:pRg st="6" end="6"/>
+                                            </p:txEl>
+                                          </p:spTgt>
+                                        </p:tgtEl>
+                                        <p:attrNameLst>
+                                          <p:attrName>ppt_x</p:attrName>
+                                        </p:attrNameLst>
+                                      </p:cBhvr>
+                                      <p:tavLst>
+                                        <p:tav tm="0">
+                                          <p:val>
+                                            <p:strVal val="#ppt_x"/>
+                                          </p:val>
+                                        </p:tav>
+                                        <p:tav tm="100000">
+                                          <p:val>
+                                            <p:strVal val="#ppt_x"/>
+                                          </p:val>
+                                        </p:tav>
+                                      </p:tavLst>
+                                    </p:anim>
+                                    <p:anim calcmode="lin" valueType="num">
+                                      <p:cBhvr>
+                                        <p:cTn id="14" dur="1000" fill="hold"/>
+                                        <p:tgtEl>
+                                          <p:spTgt spid="5">
+                                            <p:txEl>
+                                              <p:pRg st="6" end="6"/>
+                                            </p:txEl>
+                                          </p:spTgt>
+                                        </p:tgtEl>
+                                        <p:attrNameLst>
+                                          <p:attrName>ppt_y</p:attrName>
+                                        </p:attrNameLst>
+                                      </p:cBhvr>
+                                      <p:tavLst>
+                                        <p:tav tm="0">
+                                          <p:val>
+                                            <p:strVal val="#ppt_y+.1"/>
+                                          </p:val>
+                                        </p:tav>
+                                        <p:tav tm="100000">
+                                          <p:val>
+                                            <p:strVal val="#ppt_y"/>
+                                          </p:val>
+                                        </p:tav>
+                                      </p:tavLst>
+                                    </p:anim>
+                                  </p:childTnLst>
+                                </p:cTn>
+                              </p:par>
+                              <p:par>
+                                <p:cTn id="15" presetID="42" presetClass="entr" presetSubtype="0" fill="hold" nodeType="withEffect">
+                                  <p:stCondLst>
+                                    <p:cond delay="0"/>
+                                  </p:stCondLst>
+                                  <p:childTnLst>
+                                    <p:set>
+                                      <p:cBhvr>
+                                        <p:cTn id="16" dur="1" fill="hold">
+                                          <p:stCondLst>
+                                            <p:cond delay="0"/>
+                                          </p:stCondLst>
+                                        </p:cTn>
+                                        <p:tgtEl>
+                                          <p:spTgt spid="5">
+                                            <p:txEl>
+                                              <p:pRg st="7" end="7"/>
+                                            </p:txEl>
+                                          </p:spTgt>
+                                        </p:tgtEl>
+                                        <p:attrNameLst>
+                                          <p:attrName>style.visibility</p:attrName>
+                                        </p:attrNameLst>
+                                      </p:cBhvr>
+                                      <p:to>
+                                        <p:strVal val="visible"/>
+                                      </p:to>
+                                    </p:set>
+                                    <p:animEffect transition="in" filter="fade">
+                                      <p:cBhvr>
+                                        <p:cTn id="17" dur="1000"/>
+                                        <p:tgtEl>
+                                          <p:spTgt spid="5">
+                                            <p:txEl>
+                                              <p:pRg st="7" end="7"/>
+                                            </p:txEl>
+                                          </p:spTgt>
+                                        </p:tgtEl>
+                                      </p:cBhvr>
+                                    </p:animEffect>
+                                    <p:anim calcmode="lin" valueType="num">
+                                      <p:cBhvr>
+                                        <p:cTn id="18" dur="1000" fill="hold"/>
+                                        <p:tgtEl>
+                                          <p:spTgt spid="5">
+                                            <p:txEl>
+                                              <p:pRg st="7" end="7"/>
+                                            </p:txEl>
+                                          </p:spTgt>
+                                        </p:tgtEl>
+                                        <p:attrNameLst>
+                                          <p:attrName>ppt_x</p:attrName>
+                                        </p:attrNameLst>
+                                      </p:cBhvr>
+                                      <p:tavLst>
+                                        <p:tav tm="0">
+                                          <p:val>
+                                            <p:strVal val="#ppt_x"/>
+                                          </p:val>
+                                        </p:tav>
+                                        <p:tav tm="100000">
+                                          <p:val>
+                                            <p:strVal val="#ppt_x"/>
+                                          </p:val>
+                                        </p:tav>
+                                      </p:tavLst>
+                                    </p:anim>
+                                    <p:anim calcmode="lin" valueType="num">
+                                      <p:cBhvr>
+                                        <p:cTn id="19" dur="1000" fill="hold"/>
+                                        <p:tgtEl>
+                                          <p:spTgt spid="5">
+                                            <p:txEl>
+                                              <p:pRg st="7" end="7"/>
+                                            </p:txEl>
+                                          </p:spTgt>
+                                        </p:tgtEl>
+                                        <p:attrNameLst>
+                                          <p:attrName>ppt_y</p:attrName>
+                                        </p:attrNameLst>
+                                      </p:cBhvr>
+                                      <p:tavLst>
+                                        <p:tav tm="0">
+                                          <p:val>
+                                            <p:strVal val="#ppt_y+.1"/>
+                                          </p:val>
+                                        </p:tav>
+                                        <p:tav tm="100000">
+                                          <p:val>
+                                            <p:strVal val="#ppt_y"/>
+                                          </p:val>
+                                        </p:tav>
+                                      </p:tavLst>
+                                    </p:anim>
+                                  </p:childTnLst>
+                                </p:cTn>
+                              </p:par>
+                              <p:par>
+                                <p:cTn id="20" presetID="42" presetClass="entr" presetSubtype="0" fill="hold" nodeType="withEffect">
+                                  <p:stCondLst>
+                                    <p:cond delay="0"/>
+                                  </p:stCondLst>
+                                  <p:childTnLst>
+                                    <p:set>
+                                      <p:cBhvr>
+                                        <p:cTn id="21" dur="1" fill="hold">
+                                          <p:stCondLst>
+                                            <p:cond delay="0"/>
+                                          </p:stCondLst>
+                                        </p:cTn>
+                                        <p:tgtEl>
+                                          <p:spTgt spid="5">
+                                            <p:txEl>
+                                              <p:pRg st="8" end="8"/>
+                                            </p:txEl>
+                                          </p:spTgt>
+                                        </p:tgtEl>
+                                        <p:attrNameLst>
+                                          <p:attrName>style.visibility</p:attrName>
+                                        </p:attrNameLst>
+                                      </p:cBhvr>
+                                      <p:to>
+                                        <p:strVal val="visible"/>
+                                      </p:to>
+                                    </p:set>
+                                    <p:animEffect transition="in" filter="fade">
+                                      <p:cBhvr>
+                                        <p:cTn id="22" dur="1000"/>
+                                        <p:tgtEl>
+                                          <p:spTgt spid="5">
+                                            <p:txEl>
+                                              <p:pRg st="8" end="8"/>
+                                            </p:txEl>
+                                          </p:spTgt>
+                                        </p:tgtEl>
+                                      </p:cBhvr>
+                                    </p:animEffect>
+                                    <p:anim calcmode="lin" valueType="num">
+                                      <p:cBhvr>
+                                        <p:cTn id="23" dur="1000" fill="hold"/>
+                                        <p:tgtEl>
+                                          <p:spTgt spid="5">
+                                            <p:txEl>
+                                              <p:pRg st="8" end="8"/>
+                                            </p:txEl>
+                                          </p:spTgt>
+                                        </p:tgtEl>
+                                        <p:attrNameLst>
+                                          <p:attrName>ppt_x</p:attrName>
+                                        </p:attrNameLst>
+                                      </p:cBhvr>
+                                      <p:tavLst>
+                                        <p:tav tm="0">
+                                          <p:val>
+                                            <p:strVal val="#ppt_x"/>
+                                          </p:val>
+                                        </p:tav>
+                                        <p:tav tm="100000">
+                                          <p:val>
+                                            <p:strVal val="#ppt_x"/>
+                                          </p:val>
+                                        </p:tav>
+                                      </p:tavLst>
+                                    </p:anim>
+                                    <p:anim calcmode="lin" valueType="num">
+                                      <p:cBhvr>
+                                        <p:cTn id="24" dur="1000" fill="hold"/>
+                                        <p:tgtEl>
+                                          <p:spTgt spid="5">
+                                            <p:txEl>
+                                              <p:pRg st="8" end="8"/>
+                                            </p:txEl>
+                                          </p:spTgt>
+                                        </p:tgtEl>
+                                        <p:attrNameLst>
+                                          <p:attrName>ppt_y</p:attrName>
+                                        </p:attrNameLst>
+                                      </p:cBhvr>
+                                      <p:tavLst>
+                                        <p:tav tm="0">
+                                          <p:val>
+                                            <p:strVal val="#ppt_y+.1"/>
+                                          </p:val>
+                                        </p:tav>
+                                        <p:tav tm="100000">
+                                          <p:val>
+                                            <p:strVal val="#ppt_y"/>
+                                          </p:val>
+                                        </p:tav>
+                                      </p:tavLst>
+                                    </p:anim>
+                                  </p:childTnLst>
+                                </p:cTn>
+                              </p:par>
+                            </p:childTnLst>
+                          </p:cTn>
+                        </p:par>
+                      </p:childTnLst>
+                    </p:cTn>
+                  </p:par>
+                </p:childTnLst>
+              </p:cTn>
+              <p:prevCondLst>
+                <p:cond evt="onPrev" delay="0">
+                  <p:tgtEl>
+                    <p:sldTgt/>
+                  </p:tgtEl>
+                </p:cond>
+              </p:prevCondLst>
+              <p:nextCondLst>
+                <p:cond evt="onNext" delay="0">
+                  <p:tgtEl>
+                    <p:sldTgt/>
+                  </p:tgtEl>
+                </p:cond>
+              </p:nextCondLst>
+            </p:seq>
+          </p:childTnLst>
+        </p:cTn>
+      </p:par>
+    </p:tnLst>
+  </p:timing>
+</p:sld>
+</file>
+
+<file path=ppt/slides/slide9.xml><?xml version="1.0" encoding="utf-8"?>
+<p:sld xmlns:a="http://schemas.openxmlformats.org/drawingml/2006/main" xmlns:r="http://schemas.openxmlformats.org/officeDocument/2006/relationships" xmlns:p="http://schemas.openxmlformats.org/presentationml/2006/main">
+  <p:cSld>
+    <p:spTree>
+      <p:nvGrpSpPr>
+        <p:cNvPr id="1" name=""/>
+        <p:cNvGrpSpPr/>
+        <p:nvPr/>
+      </p:nvGrpSpPr>
+      <p:grpSpPr>
+        <a:xfrm>
+          <a:off x="0" y="0"/>
+          <a:ext cx="0" cy="0"/>
+          <a:chOff x="0" y="0"/>
+          <a:chExt cx="0" cy="0"/>
+        </a:xfrm>
+      </p:grpSpPr>
+      <p:sp>
+        <p:nvSpPr>
+          <p:cNvPr id="2" name="Title 1"/>
+          <p:cNvSpPr>
+            <a:spLocks noGrp="1"/>
+          </p:cNvSpPr>
+          <p:nvPr>
+            <p:ph type="title"/>
+          </p:nvPr>
+        </p:nvSpPr>
+        <p:spPr/>
+        <p:txBody>
+          <a:bodyPr/>
+          <a:lstStyle/>
+          <a:p>
+            <a:r>
+              <a:rPr lang="en-US" dirty="0" smtClean="0"/>
+              <a:t>Last issue</a:t>
+            </a:r>
+            <a:r>
+              <a:rPr lang="en-US" dirty="0" smtClean="0"/>
+              <a:t>: I am too lazy to insist on the plan</a:t>
+            </a:r>
+            <a:endParaRPr lang="en-US" dirty="0"/>
+          </a:p>
+        </p:txBody>
+      </p:sp>
+      <p:sp>
+        <p:nvSpPr>
+          <p:cNvPr id="3" name="Content Placeholder 2"/>
+          <p:cNvSpPr>
+            <a:spLocks noGrp="1"/>
+          </p:cNvSpPr>
+          <p:nvPr>
+            <p:ph idx="1"/>
+          </p:nvPr>
+        </p:nvSpPr>
+        <p:spPr/>
+        <p:txBody>
+          <a:bodyPr/>
+          <a:lstStyle/>
+          <a:p>
+            <a:r>
+              <a:rPr lang="en-US" dirty="0" smtClean="0"/>
+              <a:t>Solutions:</a:t>
+            </a:r>
+          </a:p>
+          <a:p>
+            <a:pPr lvl="1"/>
+            <a:r>
+              <a:rPr lang="en-US" dirty="0" smtClean="0"/>
+              <a:t>Make it as a routine or a habit</a:t>
+            </a:r>
+          </a:p>
+          <a:p>
+            <a:pPr lvl="1"/>
+            <a:r>
+              <a:rPr lang="en-US" dirty="0" smtClean="0"/>
+              <a:t>Find a partner </a:t>
+            </a:r>
+            <a:endParaRPr lang="en-US" dirty="0"/>
+          </a:p>
+        </p:txBody>
+      </p:sp>
+    </p:spTree>
+    <p:extLst>
+      <p:ext uri="{BB962C8B-B14F-4D97-AF65-F5344CB8AC3E}">
+        <p14:creationId xmlns:p14="http://schemas.microsoft.com/office/powerpoint/2010/main" val="1885331810"/>
+      </p:ext>
+    </p:extLst>
+  </p:cSld>
+  <p:clrMapOvr>
+    <a:masterClrMapping/>
+  </p:clrMapOvr>
+  <p:timing>
+    <p:tnLst>
+      <p:par>
+        <p:cTn id="1" dur="indefinite" restart="never" nodeType="tmRoot">
+          <p:childTnLst>
+            <p:seq concurrent="1" nextAc="seek">
+              <p:cTn id="2" dur="indefinite" nodeType="mainSeq">
+                <p:childTnLst>
+                  <p:par>
+                    <p:cTn id="3" fill="hold">
+                      <p:stCondLst>
+                        <p:cond delay="indefinite"/>
+                      </p:stCondLst>
+                      <p:childTnLst>
+                        <p:par>
+                          <p:cTn id="4" fill="hold">
+                            <p:stCondLst>
+                              <p:cond delay="0"/>
+                            </p:stCondLst>
+                            <p:childTnLst>
+                              <p:par>
+                                <p:cTn id="5" presetID="42" presetClass="entr" presetSubtype="0" fill="hold" nodeType="clickEffect">
+                                  <p:stCondLst>
+                                    <p:cond delay="0"/>
+                                  </p:stCondLst>
+                                  <p:childTnLst>
+                                    <p:set>
+                                      <p:cBhvr>
+                                        <p:cTn id="6" dur="1" fill="hold">
+                                          <p:stCondLst>
+                                            <p:cond delay="0"/>
+                                          </p:stCondLst>
+                                        </p:cTn>
+                                        <p:tgtEl>
+                                          <p:spTgt spid="3">
+                                            <p:txEl>
+                                              <p:pRg st="1" end="1"/>
+                                            </p:txEl>
+                                          </p:spTgt>
+                                        </p:tgtEl>
+                                        <p:attrNameLst>
+                                          <p:attrName>style.visibility</p:attrName>
+                                        </p:attrNameLst>
+                                      </p:cBhvr>
+                                      <p:to>
+                                        <p:strVal val="visible"/>
+                                      </p:to>
+                                    </p:set>
+                                    <p:animEffect transition="in" filter="fade">
+                                      <p:cBhvr>
+                                        <p:cTn id="7" dur="1000"/>
+                                        <p:tgtEl>
+                                          <p:spTgt spid="3">
+                                            <p:txEl>
+                                              <p:pRg st="1" end="1"/>
+                                            </p:txEl>
+                                          </p:spTgt>
+                                        </p:tgtEl>
+                                      </p:cBhvr>
+                                    </p:animEffect>
+                                    <p:anim calcmode="lin" valueType="num">
+                                      <p:cBhvr>
+                                        <p:cTn id="8" dur="1000" fill="hold"/>
+                                        <p:tgtEl>
+                                          <p:spTgt spid="3">
+                                            <p:txEl>
+                                              <p:pRg st="1" end="1"/>
+                                            </p:txEl>
+                                          </p:spTgt>
+                                        </p:tgtEl>
+                                        <p:attrNameLst>
+                                          <p:attrName>ppt_x</p:attrName>
+                                        </p:attrNameLst>
+                                      </p:cBhvr>
+                                      <p:tavLst>
+                                        <p:tav tm="0">
+                                          <p:val>
+                                            <p:strVal val="#ppt_x"/>
+                                          </p:val>
+                                        </p:tav>
+                                        <p:tav tm="100000">
+                                          <p:val>
+                                            <p:strVal val="#ppt_x"/>
+                                          </p:val>
+                                        </p:tav>
+                                      </p:tavLst>
+                                    </p:anim>
+                                    <p:anim calcmode="lin" valueType="num">
+                                      <p:cBhvr>
+                                        <p:cTn id="9" dur="1000" fill="hold"/>
+                                        <p:tgtEl>
+                                          <p:spTgt spid="3">
+                                            <p:txEl>
+                                              <p:pRg st="1" end="1"/>
+                                            </p:txEl>
+                                          </p:spTgt>
+                                        </p:tgtEl>
+                                        <p:attrNameLst>
+                                          <p:attrName>ppt_y</p:attrName>
+                                        </p:attrNameLst>
+                                      </p:cBhvr>
+                                      <p:tavLst>
+                                        <p:tav tm="0">
+                                          <p:val>
+                                            <p:strVal val="#ppt_y+.1"/>
+                                          </p:val>
+                                        </p:tav>
+                                        <p:tav tm="100000">
+                                          <p:val>
+                                            <p:strVal val="#ppt_y"/>
+                                          </p:val>
+                                        </p:tav>
+                                      </p:tavLst>
+                                    </p:anim>
+                                  </p:childTnLst>
+                                </p:cTn>
+                              </p:par>
+                            </p:childTnLst>
+                          </p:cTn>
+                        </p:par>
+                      </p:childTnLst>
+                    </p:cTn>
+                  </p:par>
+                  <p:par>
+                    <p:cTn id="10" fill="hold">
+                      <p:stCondLst>
+                        <p:cond delay="indefinite"/>
+                      </p:stCondLst>
+                      <p:childTnLst>
+                        <p:par>
+                          <p:cTn id="11" fill="hold">
+                            <p:stCondLst>
+                              <p:cond delay="0"/>
+                            </p:stCondLst>
+                            <p:childTnLst>
+                              <p:par>
+                                <p:cTn id="12" presetID="42" presetClass="entr" presetSubtype="0" fill="hold" nodeType="clickEffect">
+                                  <p:stCondLst>
+                                    <p:cond delay="0"/>
+                                  </p:stCondLst>
+                                  <p:childTnLst>
+                                    <p:set>
+                                      <p:cBhvr>
+                                        <p:cTn id="13" dur="1" fill="hold">
+                                          <p:stCondLst>
+                                            <p:cond delay="0"/>
+                                          </p:stCondLst>
+                                        </p:cTn>
+                                        <p:tgtEl>
+                                          <p:spTgt spid="3">
+                                            <p:txEl>
+                                              <p:pRg st="2" end="2"/>
+                                            </p:txEl>
+                                          </p:spTgt>
+                                        </p:tgtEl>
+                                        <p:attrNameLst>
+                                          <p:attrName>style.visibility</p:attrName>
+                                        </p:attrNameLst>
+                                      </p:cBhvr>
+                                      <p:to>
+                                        <p:strVal val="visible"/>
+                                      </p:to>
+                                    </p:set>
+                                    <p:animEffect transition="in" filter="fade">
+                                      <p:cBhvr>
+                                        <p:cTn id="14" dur="1000"/>
+                                        <p:tgtEl>
+                                          <p:spTgt spid="3">
+                                            <p:txEl>
+                                              <p:pRg st="2" end="2"/>
+                                            </p:txEl>
+                                          </p:spTgt>
+                                        </p:tgtEl>
+                                      </p:cBhvr>
+                                    </p:animEffect>
+                                    <p:anim calcmode="lin" valueType="num">
+                                      <p:cBhvr>
+                                        <p:cTn id="15" dur="1000" fill="hold"/>
+                                        <p:tgtEl>
+                                          <p:spTgt spid="3">
+                                            <p:txEl>
+                                              <p:pRg st="2" end="2"/>
+                                            </p:txEl>
+                                          </p:spTgt>
+                                        </p:tgtEl>
+                                        <p:attrNameLst>
+                                          <p:attrName>ppt_x</p:attrName>
+                                        </p:attrNameLst>
+                                      </p:cBhvr>
+                                      <p:tavLst>
+                                        <p:tav tm="0">
+                                          <p:val>
+                                            <p:strVal val="#ppt_x"/>
+                                          </p:val>
+                                        </p:tav>
+                                        <p:tav tm="100000">
+                                          <p:val>
+                                            <p:strVal val="#ppt_x"/>
+                                          </p:val>
+                                        </p:tav>
+                                      </p:tavLst>
+                                    </p:anim>
+                                    <p:anim calcmode="lin" valueType="num">
+                                      <p:cBhvr>
+                                        <p:cTn id="16" dur="1000" fill="hold"/>
+                                        <p:tgtEl>
+                                          <p:spTgt spid="3">
+                                            <p:txEl>
+                                              <p:pRg st="2" end="2"/>
+                                            </p:txEl>
+                                          </p:spTgt>
+                                        </p:tgtEl>
+                                        <p:attrNameLst>
+                                          <p:attrName>ppt_y</p:attrName>
+                                        </p:attrNameLst>
+                                      </p:cBhvr>
+                                      <p:tavLst>
+                                        <p:tav tm="0">
+                                          <p:val>
+                                            <p:strVal val="#ppt_y+.1"/>
+                                          </p:val>
+                                        </p:tav>
+                                        <p:tav tm="100000">
+                                          <p:val>
+                                            <p:strVal val="#ppt_y"/>
+                                          </p:val>
+                                        </p:tav>
+                                      </p:tavLst>
+                                    </p:anim>
+                                  </p:childTnLst>
+                                </p:cTn>
+                              </p:par>
+                            </p:childTnLst>
+                          </p:cTn>
+                        </p:par>
+                      </p:childTnLst>
+                    </p:cTn>
+                  </p:par>
+                </p:childTnLst>
+              </p:cTn>
+              <p:prevCondLst>
+                <p:cond evt="onPrev" delay="0">
+                  <p:tgtEl>
+                    <p:sldTgt/>
+                  </p:tgtEl>
+                </p:cond>
+              </p:prevCondLst>
+              <p:nextCondLst>
+                <p:cond evt="onNext" delay="0">
+                  <p:tgtEl>
+                    <p:sldTgt/>
+                  </p:tgtEl>
+                </p:cond>
+              </p:nextCondLst>
+            </p:seq>
+          </p:childTnLst>
+        </p:cTn>
+      </p:par>
+    </p:tnLst>
+  </p:timing>
 </p:sld>
 </file>
 
